--- a/Politik/Pflegeversicherung.pptx
+++ b/Politik/Pflegeversicherung.pptx
@@ -5,18 +5,23 @@
     <p:sldMasterId id="2147483696" r:id="rId4"/>
   </p:sldMasterIdLst>
   <p:notesMasterIdLst>
-    <p:notesMasterId r:id="rId11"/>
+    <p:notesMasterId r:id="rId16"/>
   </p:notesMasterIdLst>
   <p:handoutMasterIdLst>
-    <p:handoutMasterId r:id="rId12"/>
+    <p:handoutMasterId r:id="rId17"/>
   </p:handoutMasterIdLst>
   <p:sldIdLst>
     <p:sldId id="257" r:id="rId5"/>
     <p:sldId id="258" r:id="rId6"/>
     <p:sldId id="262" r:id="rId7"/>
-    <p:sldId id="263" r:id="rId8"/>
-    <p:sldId id="264" r:id="rId9"/>
-    <p:sldId id="265" r:id="rId10"/>
+    <p:sldId id="264" r:id="rId8"/>
+    <p:sldId id="263" r:id="rId9"/>
+    <p:sldId id="266" r:id="rId10"/>
+    <p:sldId id="267" r:id="rId11"/>
+    <p:sldId id="268" r:id="rId12"/>
+    <p:sldId id="269" r:id="rId13"/>
+    <p:sldId id="270" r:id="rId14"/>
+    <p:sldId id="265" r:id="rId15"/>
   </p:sldIdLst>
   <p:sldSz cx="12192000" cy="6858000"/>
   <p:notesSz cx="6858000" cy="9144000"/>
@@ -278,7 +283,7 @@
             <a:pPr rtl="0"/>
             <a:fld id="{A9B61BEE-A6B4-49DE-8859-2A55F155C514}" type="slidenum">
               <a:rPr lang="de-DE" smtClean="0"/>
-              <a:t>‹Nr.›</a:t>
+              <a:t>‹#›</a:t>
             </a:fld>
             <a:endParaRPr lang="de-DE"/>
           </a:p>
@@ -541,7 +546,7 @@
             <a:pPr rtl="0"/>
             <a:fld id="{96E6A182-AF03-4CC8-94DC-C0726DF52A64}" type="slidenum">
               <a:rPr lang="de-DE" noProof="0" smtClean="0"/>
-              <a:t>‹Nr.›</a:t>
+              <a:t>‹#›</a:t>
             </a:fld>
             <a:endParaRPr lang="de-DE" noProof="0"/>
           </a:p>
@@ -902,7 +907,7 @@
             <a:pPr rtl="0"/>
             <a:fld id="{401CF334-2D5C-4859-84A6-CA7E6E43FAEB}" type="slidenum">
               <a:rPr lang="de-DE" noProof="0" smtClean="0"/>
-              <a:t>‹Nr.›</a:t>
+              <a:t>‹#›</a:t>
             </a:fld>
             <a:endParaRPr lang="de-DE" noProof="0"/>
           </a:p>
@@ -1131,7 +1136,7 @@
             <a:pPr rtl="0"/>
             <a:fld id="{401CF334-2D5C-4859-84A6-CA7E6E43FAEB}" type="slidenum">
               <a:rPr lang="de-DE" noProof="0" smtClean="0"/>
-              <a:t>‹Nr.›</a:t>
+              <a:t>‹#›</a:t>
             </a:fld>
             <a:endParaRPr lang="de-DE" noProof="0"/>
           </a:p>
@@ -1317,7 +1322,7 @@
             <a:pPr rtl="0"/>
             <a:fld id="{401CF334-2D5C-4859-84A6-CA7E6E43FAEB}" type="slidenum">
               <a:rPr lang="de-DE" noProof="0" smtClean="0"/>
-              <a:t>‹Nr.›</a:t>
+              <a:t>‹#›</a:t>
             </a:fld>
             <a:endParaRPr lang="de-DE" noProof="0"/>
           </a:p>
@@ -1512,7 +1517,7 @@
             <a:pPr rtl="0"/>
             <a:fld id="{401CF334-2D5C-4859-84A6-CA7E6E43FAEB}" type="slidenum">
               <a:rPr lang="de-DE" noProof="0" smtClean="0"/>
-              <a:t>‹Nr.›</a:t>
+              <a:t>‹#›</a:t>
             </a:fld>
             <a:endParaRPr lang="de-DE" noProof="0"/>
           </a:p>
@@ -1702,7 +1707,7 @@
             <a:pPr rtl="0"/>
             <a:fld id="{401CF334-2D5C-4859-84A6-CA7E6E43FAEB}" type="slidenum">
               <a:rPr lang="de-DE" noProof="0" smtClean="0"/>
-              <a:t>‹Nr.›</a:t>
+              <a:t>‹#›</a:t>
             </a:fld>
             <a:endParaRPr lang="de-DE" noProof="0"/>
           </a:p>
@@ -1951,7 +1956,7 @@
             <a:pPr rtl="0"/>
             <a:fld id="{401CF334-2D5C-4859-84A6-CA7E6E43FAEB}" type="slidenum">
               <a:rPr lang="de-DE" noProof="0" smtClean="0"/>
-              <a:t>‹Nr.›</a:t>
+              <a:t>‹#›</a:t>
             </a:fld>
             <a:endParaRPr lang="de-DE" noProof="0"/>
           </a:p>
@@ -2230,7 +2235,7 @@
             <a:pPr rtl="0"/>
             <a:fld id="{401CF334-2D5C-4859-84A6-CA7E6E43FAEB}" type="slidenum">
               <a:rPr lang="de-DE" noProof="0" smtClean="0"/>
-              <a:t>‹Nr.›</a:t>
+              <a:t>‹#›</a:t>
             </a:fld>
             <a:endParaRPr lang="de-DE" noProof="0"/>
           </a:p>
@@ -2624,7 +2629,7 @@
             <a:pPr rtl="0"/>
             <a:fld id="{401CF334-2D5C-4859-84A6-CA7E6E43FAEB}" type="slidenum">
               <a:rPr lang="de-DE" noProof="0" smtClean="0"/>
-              <a:t>‹Nr.›</a:t>
+              <a:t>‹#›</a:t>
             </a:fld>
             <a:endParaRPr lang="de-DE" noProof="0"/>
           </a:p>
@@ -2757,7 +2762,7 @@
             <a:pPr rtl="0"/>
             <a:fld id="{401CF334-2D5C-4859-84A6-CA7E6E43FAEB}" type="slidenum">
               <a:rPr lang="de-DE" noProof="0" smtClean="0"/>
-              <a:t>‹Nr.›</a:t>
+              <a:t>‹#›</a:t>
             </a:fld>
             <a:endParaRPr lang="de-DE" noProof="0"/>
           </a:p>
@@ -2867,7 +2872,7 @@
             <a:pPr rtl="0"/>
             <a:fld id="{401CF334-2D5C-4859-84A6-CA7E6E43FAEB}" type="slidenum">
               <a:rPr lang="de-DE" noProof="0" smtClean="0"/>
-              <a:t>‹Nr.›</a:t>
+              <a:t>‹#›</a:t>
             </a:fld>
             <a:endParaRPr lang="de-DE" noProof="0"/>
           </a:p>
@@ -3150,7 +3155,7 @@
             <a:pPr rtl="0"/>
             <a:fld id="{401CF334-2D5C-4859-84A6-CA7E6E43FAEB}" type="slidenum">
               <a:rPr lang="de-DE" noProof="0" smtClean="0"/>
-              <a:t>‹Nr.›</a:t>
+              <a:t>‹#›</a:t>
             </a:fld>
             <a:endParaRPr lang="de-DE" noProof="0"/>
           </a:p>
@@ -3497,7 +3502,7 @@
             <a:pPr rtl="0"/>
             <a:fld id="{401CF334-2D5C-4859-84A6-CA7E6E43FAEB}" type="slidenum">
               <a:rPr lang="de-DE" noProof="0" smtClean="0"/>
-              <a:t>‹Nr.›</a:t>
+              <a:t>‹#›</a:t>
             </a:fld>
             <a:endParaRPr lang="de-DE" noProof="0" dirty="0"/>
           </a:p>
@@ -8138,6 +8143,329 @@
 </p:sld>
 </file>
 
+<file path=ppt/slides/slide10.xml><?xml version="1.0" encoding="utf-8"?>
+<p:sld xmlns:a="http://schemas.openxmlformats.org/drawingml/2006/main" xmlns:r="http://schemas.openxmlformats.org/officeDocument/2006/relationships" xmlns:p="http://schemas.openxmlformats.org/presentationml/2006/main">
+  <p:cSld>
+    <p:spTree>
+      <p:nvGrpSpPr>
+        <p:cNvPr id="1" name=""/>
+        <p:cNvGrpSpPr/>
+        <p:nvPr/>
+      </p:nvGrpSpPr>
+      <p:grpSpPr>
+        <a:xfrm>
+          <a:off x="0" y="0"/>
+          <a:ext cx="0" cy="0"/>
+          <a:chOff x="0" y="0"/>
+          <a:chExt cx="0" cy="0"/>
+        </a:xfrm>
+      </p:grpSpPr>
+      <p:sp>
+        <p:nvSpPr>
+          <p:cNvPr id="3" name="Title 2">
+            <a:extLst>
+              <a:ext uri="{FF2B5EF4-FFF2-40B4-BE49-F238E27FC236}">
+                <a16:creationId xmlns:a16="http://schemas.microsoft.com/office/drawing/2014/main" id="{7FDDF0AE-5972-F696-403A-307249F41A01}"/>
+              </a:ext>
+            </a:extLst>
+          </p:cNvPr>
+          <p:cNvSpPr>
+            <a:spLocks noGrp="1"/>
+          </p:cNvSpPr>
+          <p:nvPr>
+            <p:ph type="title"/>
+          </p:nvPr>
+        </p:nvSpPr>
+        <p:spPr>
+          <a:xfrm>
+            <a:off x="0" y="1468973"/>
+            <a:ext cx="4453411" cy="3920051"/>
+          </a:xfrm>
+        </p:spPr>
+        <p:txBody>
+          <a:bodyPr>
+            <a:noAutofit/>
+          </a:bodyPr>
+          <a:lstStyle/>
+          <a:p>
+            <a:r>
+              <a:rPr lang="de-DE" sz="5400" dirty="0"/>
+              <a:t>Pflegestufe 5</a:t>
+            </a:r>
+            <a:br>
+              <a:rPr lang="de-DE" sz="5400" dirty="0"/>
+            </a:br>
+            <a:r>
+              <a:rPr lang="de-DE" sz="2800" i="0" dirty="0">
+                <a:solidFill>
+                  <a:schemeClr val="bg1"/>
+                </a:solidFill>
+                <a:effectLst/>
+              </a:rPr>
+              <a:t>eine schwerste Beeinträchtigung der Selbstständigkeit mit besonderen Anforderungen an die pflegerische Versorgung</a:t>
+            </a:r>
+            <a:br>
+              <a:rPr lang="de-DE" sz="2800" dirty="0">
+                <a:solidFill>
+                  <a:schemeClr val="bg1"/>
+                </a:solidFill>
+              </a:rPr>
+            </a:br>
+            <a:endParaRPr lang="de-DE" sz="2800" dirty="0"/>
+          </a:p>
+        </p:txBody>
+      </p:sp>
+      <p:pic>
+        <p:nvPicPr>
+          <p:cNvPr id="6" name="Content Placeholder 5">
+            <a:extLst>
+              <a:ext uri="{FF2B5EF4-FFF2-40B4-BE49-F238E27FC236}">
+                <a16:creationId xmlns:a16="http://schemas.microsoft.com/office/drawing/2014/main" id="{2F59F1DA-BD1B-BC39-6C5C-4B6370F2F0C3}"/>
+              </a:ext>
+            </a:extLst>
+          </p:cNvPr>
+          <p:cNvPicPr>
+            <a:picLocks noGrp="1" noChangeAspect="1"/>
+          </p:cNvPicPr>
+          <p:nvPr>
+            <p:ph idx="1"/>
+          </p:nvPr>
+        </p:nvPicPr>
+        <p:blipFill>
+          <a:blip r:embed="rId2">
+            <a:extLst>
+              <a:ext uri="{28A0092B-C50C-407E-A947-70E740481C1C}">
+                <a14:useLocalDpi xmlns:a14="http://schemas.microsoft.com/office/drawing/2010/main" val="0"/>
+              </a:ext>
+            </a:extLst>
+          </a:blip>
+          <a:stretch>
+            <a:fillRect/>
+          </a:stretch>
+        </p:blipFill>
+        <p:spPr>
+          <a:xfrm>
+            <a:off x="5540720" y="118179"/>
+            <a:ext cx="6174464" cy="6621641"/>
+          </a:xfrm>
+        </p:spPr>
+      </p:pic>
+    </p:spTree>
+    <p:extLst>
+      <p:ext uri="{BB962C8B-B14F-4D97-AF65-F5344CB8AC3E}">
+        <p14:creationId xmlns:p14="http://schemas.microsoft.com/office/powerpoint/2010/main" val="3479479903"/>
+      </p:ext>
+    </p:extLst>
+  </p:cSld>
+  <p:clrMapOvr>
+    <a:masterClrMapping/>
+  </p:clrMapOvr>
+  <mc:AlternateContent xmlns:mc="http://schemas.openxmlformats.org/markup-compatibility/2006">
+    <mc:Choice xmlns:p14="http://schemas.microsoft.com/office/powerpoint/2010/main" Requires="p14">
+      <p:transition spd="med" p14:dur="700">
+        <p:fade/>
+      </p:transition>
+    </mc:Choice>
+    <mc:Fallback>
+      <p:transition spd="med">
+        <p:fade/>
+      </p:transition>
+    </mc:Fallback>
+  </mc:AlternateContent>
+</p:sld>
+</file>
+
+<file path=ppt/slides/slide11.xml><?xml version="1.0" encoding="utf-8"?>
+<p:sld xmlns:a="http://schemas.openxmlformats.org/drawingml/2006/main" xmlns:r="http://schemas.openxmlformats.org/officeDocument/2006/relationships" xmlns:p="http://schemas.openxmlformats.org/presentationml/2006/main">
+  <p:cSld>
+    <p:spTree>
+      <p:nvGrpSpPr>
+        <p:cNvPr id="1" name=""/>
+        <p:cNvGrpSpPr/>
+        <p:nvPr/>
+      </p:nvGrpSpPr>
+      <p:grpSpPr>
+        <a:xfrm>
+          <a:off x="0" y="0"/>
+          <a:ext cx="0" cy="0"/>
+          <a:chOff x="0" y="0"/>
+          <a:chExt cx="0" cy="0"/>
+        </a:xfrm>
+      </p:grpSpPr>
+      <p:sp>
+        <p:nvSpPr>
+          <p:cNvPr id="2" name="Inhaltsplatzhalter 1">
+            <a:extLst>
+              <a:ext uri="{FF2B5EF4-FFF2-40B4-BE49-F238E27FC236}">
+                <a16:creationId xmlns:a16="http://schemas.microsoft.com/office/drawing/2014/main" id="{24A4EE7D-3177-22D6-2675-055CEA0A839C}"/>
+              </a:ext>
+            </a:extLst>
+          </p:cNvPr>
+          <p:cNvSpPr>
+            <a:spLocks noGrp="1"/>
+          </p:cNvSpPr>
+          <p:nvPr>
+            <p:ph idx="1"/>
+          </p:nvPr>
+        </p:nvSpPr>
+        <p:spPr/>
+        <p:txBody>
+          <a:bodyPr>
+            <a:normAutofit/>
+          </a:bodyPr>
+          <a:lstStyle/>
+          <a:p>
+            <a:r>
+              <a:rPr lang="de-DE" sz="2400" dirty="0">
+                <a:solidFill>
+                  <a:schemeClr val="bg1"/>
+                </a:solidFill>
+                <a:hlinkClick r:id="rId2">
+                  <a:extLst>
+                    <a:ext uri="{A12FA001-AC4F-418D-AE19-62706E023703}">
+                      <ahyp:hlinkClr xmlns:ahyp="http://schemas.microsoft.com/office/drawing/2018/hyperlinkcolor" val="tx"/>
+                    </a:ext>
+                  </a:extLst>
+                </a:hlinkClick>
+              </a:rPr>
+              <a:t>https://www.tk.de/techniker/leistungen-und-mitgliedschaft/informationen-versicherte/leistungen/weitere-leistungen/pflege/ueber-die-tk-pflegeversicherung/wie-hoch-beitrag-pflegeversicherung-2008660</a:t>
+            </a:r>
+            <a:endParaRPr lang="de-DE" sz="2400" dirty="0">
+              <a:solidFill>
+                <a:schemeClr val="bg1"/>
+              </a:solidFill>
+            </a:endParaRPr>
+          </a:p>
+          <a:p>
+            <a:r>
+              <a:rPr lang="de-DE" sz="2400" dirty="0">
+                <a:solidFill>
+                  <a:schemeClr val="bg1"/>
+                </a:solidFill>
+                <a:hlinkClick r:id="rId3">
+                  <a:extLst>
+                    <a:ext uri="{A12FA001-AC4F-418D-AE19-62706E023703}">
+                      <ahyp:hlinkClr xmlns:ahyp="http://schemas.microsoft.com/office/drawing/2018/hyperlinkcolor" val="tx"/>
+                    </a:ext>
+                  </a:extLst>
+                </a:hlinkClick>
+              </a:rPr>
+              <a:t>https://www.test.de/gesetzliche-pflegeversicherung-5175894-0/</a:t>
+            </a:r>
+            <a:endParaRPr lang="de-DE" sz="2400" dirty="0">
+              <a:solidFill>
+                <a:schemeClr val="bg1"/>
+              </a:solidFill>
+            </a:endParaRPr>
+          </a:p>
+          <a:p>
+            <a:r>
+              <a:rPr lang="de-DE" sz="2400" dirty="0">
+                <a:solidFill>
+                  <a:schemeClr val="bg1"/>
+                </a:solidFill>
+                <a:hlinkClick r:id="rId4">
+                  <a:extLst>
+                    <a:ext uri="{A12FA001-AC4F-418D-AE19-62706E023703}">
+                      <ahyp:hlinkClr xmlns:ahyp="http://schemas.microsoft.com/office/drawing/2018/hyperlinkcolor" val="tx"/>
+                    </a:ext>
+                  </a:extLst>
+                </a:hlinkClick>
+              </a:rPr>
+              <a:t>https://www.bundesgesundheitsministerium.de/themen/pflege/online-ratgeber-pflege/die-pflegeversicherung.html#:~:text=Die%20Pflegeversicherung%20wurde%20am%201,in%20der%20sozialen%20Pflegeversicherung%20versichert</a:t>
+            </a:r>
+            <a:endParaRPr lang="de-DE" sz="2400" dirty="0">
+              <a:solidFill>
+                <a:schemeClr val="bg1"/>
+              </a:solidFill>
+            </a:endParaRPr>
+          </a:p>
+          <a:p>
+            <a:r>
+              <a:rPr lang="de-DE" sz="2400" dirty="0">
+                <a:solidFill>
+                  <a:schemeClr val="bg1"/>
+                </a:solidFill>
+                <a:hlinkClick r:id="rId5">
+                  <a:extLst>
+                    <a:ext uri="{A12FA001-AC4F-418D-AE19-62706E023703}">
+                      <ahyp:hlinkClr xmlns:ahyp="http://schemas.microsoft.com/office/drawing/2018/hyperlinkcolor" val="tx"/>
+                    </a:ext>
+                  </a:extLst>
+                </a:hlinkClick>
+              </a:rPr>
+              <a:t>https://www.wohnen-im-alter.de/geld-recht/pflegefall/pflegegrade</a:t>
+            </a:r>
+            <a:endParaRPr lang="de-DE" sz="2400" dirty="0">
+              <a:solidFill>
+                <a:schemeClr val="bg1"/>
+              </a:solidFill>
+            </a:endParaRPr>
+          </a:p>
+          <a:p>
+            <a:endParaRPr lang="de-DE" sz="1800" dirty="0">
+              <a:solidFill>
+                <a:schemeClr val="bg1"/>
+              </a:solidFill>
+            </a:endParaRPr>
+          </a:p>
+        </p:txBody>
+      </p:sp>
+      <p:sp>
+        <p:nvSpPr>
+          <p:cNvPr id="3" name="Titel 2">
+            <a:extLst>
+              <a:ext uri="{FF2B5EF4-FFF2-40B4-BE49-F238E27FC236}">
+                <a16:creationId xmlns:a16="http://schemas.microsoft.com/office/drawing/2014/main" id="{A2A5B8D1-3ACF-F420-267C-898ADA58FC2C}"/>
+              </a:ext>
+            </a:extLst>
+          </p:cNvPr>
+          <p:cNvSpPr>
+            <a:spLocks noGrp="1"/>
+          </p:cNvSpPr>
+          <p:nvPr>
+            <p:ph type="title"/>
+          </p:nvPr>
+        </p:nvSpPr>
+        <p:spPr/>
+        <p:txBody>
+          <a:bodyPr>
+            <a:normAutofit/>
+          </a:bodyPr>
+          <a:lstStyle/>
+          <a:p>
+            <a:r>
+              <a:rPr lang="de-DE" dirty="0"/>
+              <a:t>Quellen</a:t>
+            </a:r>
+          </a:p>
+        </p:txBody>
+      </p:sp>
+    </p:spTree>
+    <p:extLst>
+      <p:ext uri="{BB962C8B-B14F-4D97-AF65-F5344CB8AC3E}">
+        <p14:creationId xmlns:p14="http://schemas.microsoft.com/office/powerpoint/2010/main" val="1868860405"/>
+      </p:ext>
+    </p:extLst>
+  </p:cSld>
+  <p:clrMapOvr>
+    <a:masterClrMapping/>
+  </p:clrMapOvr>
+  <mc:AlternateContent xmlns:mc="http://schemas.openxmlformats.org/markup-compatibility/2006" xmlns:p14="http://schemas.microsoft.com/office/powerpoint/2010/main">
+    <mc:Choice Requires="p14">
+      <p:transition spd="med" p14:dur="700">
+        <p:fade/>
+      </p:transition>
+    </mc:Choice>
+    <mc:Fallback xmlns="">
+      <p:transition spd="med">
+        <p:fade/>
+      </p:transition>
+    </mc:Fallback>
+  </mc:AlternateContent>
+</p:sld>
+</file>
+
 <file path=ppt/slides/slide2.xml><?xml version="1.0" encoding="utf-8"?>
 <p:sld xmlns:a="http://schemas.openxmlformats.org/drawingml/2006/main" xmlns:r="http://schemas.openxmlformats.org/officeDocument/2006/relationships" xmlns:p="http://schemas.openxmlformats.org/presentationml/2006/main">
   <p:cSld>
@@ -8176,7 +8504,7 @@
           <a:p>
             <a:pPr lvl="0" rtl="0"/>
             <a:r>
-              <a:rPr lang="de-DE" dirty="0">
+              <a:rPr lang="de-DE" sz="4000" dirty="0">
                 <a:solidFill>
                   <a:schemeClr val="bg1"/>
                 </a:solidFill>
@@ -8187,23 +8515,34 @@
           <a:p>
             <a:pPr lvl="0" rtl="0"/>
             <a:r>
-              <a:rPr lang="de-DE" dirty="0">
+              <a:rPr lang="de-DE" sz="4000" dirty="0">
                 <a:solidFill>
                   <a:schemeClr val="bg1"/>
                 </a:solidFill>
               </a:rPr>
-              <a:t>Anfällige Personen</a:t>
+              <a:t>Pflegestufen</a:t>
             </a:r>
           </a:p>
           <a:p>
             <a:pPr lvl="0" rtl="0"/>
             <a:r>
-              <a:rPr lang="de-DE" dirty="0">
+              <a:rPr lang="de-DE" sz="4000" dirty="0">
                 <a:solidFill>
                   <a:schemeClr val="bg1"/>
                 </a:solidFill>
               </a:rPr>
               <a:t>Kosten &amp; Kostenträger</a:t>
+            </a:r>
+          </a:p>
+          <a:p>
+            <a:pPr lvl="0" rtl="0"/>
+            <a:r>
+              <a:rPr lang="de-DE" sz="4000" dirty="0">
+                <a:solidFill>
+                  <a:schemeClr val="bg1"/>
+                </a:solidFill>
+              </a:rPr>
+              <a:t>Quellen</a:t>
             </a:r>
           </a:p>
           <a:p>
@@ -8222,7 +8561,12 @@
             <p:ph type="title"/>
           </p:nvPr>
         </p:nvSpPr>
-        <p:spPr/>
+        <p:spPr>
+          <a:xfrm>
+            <a:off x="609600" y="211264"/>
+            <a:ext cx="10972800" cy="1143000"/>
+          </a:xfrm>
+        </p:spPr>
         <p:txBody>
           <a:bodyPr rtlCol="0"/>
           <a:lstStyle/>
@@ -8468,178 +8812,6 @@
 </file>
 
 <file path=ppt/slides/slide4.xml><?xml version="1.0" encoding="utf-8"?>
-<p:sld xmlns:a="http://schemas.openxmlformats.org/drawingml/2006/main" xmlns:r="http://schemas.openxmlformats.org/officeDocument/2006/relationships" xmlns:p="http://schemas.openxmlformats.org/presentationml/2006/main">
-  <p:cSld>
-    <p:spTree>
-      <p:nvGrpSpPr>
-        <p:cNvPr id="1" name=""/>
-        <p:cNvGrpSpPr/>
-        <p:nvPr/>
-      </p:nvGrpSpPr>
-      <p:grpSpPr>
-        <a:xfrm>
-          <a:off x="0" y="0"/>
-          <a:ext cx="0" cy="0"/>
-          <a:chOff x="0" y="0"/>
-          <a:chExt cx="0" cy="0"/>
-        </a:xfrm>
-      </p:grpSpPr>
-      <p:sp>
-        <p:nvSpPr>
-          <p:cNvPr id="2" name="Inhaltsplatzhalter 1">
-            <a:extLst>
-              <a:ext uri="{FF2B5EF4-FFF2-40B4-BE49-F238E27FC236}">
-                <a16:creationId xmlns:a16="http://schemas.microsoft.com/office/drawing/2014/main" id="{88BE0C3A-AD2B-5AB3-03EA-977122160273}"/>
-              </a:ext>
-            </a:extLst>
-          </p:cNvPr>
-          <p:cNvSpPr>
-            <a:spLocks noGrp="1"/>
-          </p:cNvSpPr>
-          <p:nvPr>
-            <p:ph idx="1"/>
-          </p:nvPr>
-        </p:nvSpPr>
-        <p:spPr/>
-        <p:txBody>
-          <a:bodyPr/>
-          <a:lstStyle/>
-          <a:p>
-            <a:r>
-              <a:rPr lang="de-DE" dirty="0">
-                <a:solidFill>
-                  <a:schemeClr val="bg1"/>
-                </a:solidFill>
-              </a:rPr>
-              <a:t>Pflegestufe 1: pflegebedürftige Personen</a:t>
-            </a:r>
-          </a:p>
-          <a:p>
-            <a:pPr lvl="1"/>
-            <a:r>
-              <a:rPr lang="de-DE" dirty="0">
-                <a:solidFill>
-                  <a:schemeClr val="bg1"/>
-                </a:solidFill>
-              </a:rPr>
-              <a:t>A</a:t>
-            </a:r>
-          </a:p>
-          <a:p>
-            <a:r>
-              <a:rPr lang="de-DE" dirty="0">
-                <a:solidFill>
-                  <a:schemeClr val="bg1"/>
-                </a:solidFill>
-              </a:rPr>
-              <a:t>Pflegestufe 2: </a:t>
-            </a:r>
-            <a:r>
-              <a:rPr lang="de-DE" i="0" dirty="0">
-                <a:solidFill>
-                  <a:schemeClr val="bg1"/>
-                </a:solidFill>
-                <a:effectLst/>
-              </a:rPr>
-              <a:t>Schwerpflegebedürftige</a:t>
-            </a:r>
-            <a:r>
-              <a:rPr lang="de-DE" dirty="0">
-                <a:solidFill>
-                  <a:schemeClr val="bg1"/>
-                </a:solidFill>
-              </a:rPr>
-              <a:t> Personen</a:t>
-            </a:r>
-          </a:p>
-          <a:p>
-            <a:pPr lvl="1"/>
-            <a:r>
-              <a:rPr lang="de-DE" dirty="0">
-                <a:solidFill>
-                  <a:schemeClr val="bg1"/>
-                </a:solidFill>
-              </a:rPr>
-              <a:t>A</a:t>
-            </a:r>
-          </a:p>
-          <a:p>
-            <a:r>
-              <a:rPr lang="de-DE" dirty="0">
-                <a:solidFill>
-                  <a:schemeClr val="bg1"/>
-                </a:solidFill>
-              </a:rPr>
-              <a:t>Pflegestufe 3: Schwerstpflegebedürftige Personen</a:t>
-            </a:r>
-          </a:p>
-          <a:p>
-            <a:pPr lvl="1"/>
-            <a:r>
-              <a:rPr lang="de-DE" dirty="0">
-                <a:solidFill>
-                  <a:schemeClr val="bg1"/>
-                </a:solidFill>
-              </a:rPr>
-              <a:t>a</a:t>
-            </a:r>
-          </a:p>
-        </p:txBody>
-      </p:sp>
-      <p:sp>
-        <p:nvSpPr>
-          <p:cNvPr id="3" name="Titel 2">
-            <a:extLst>
-              <a:ext uri="{FF2B5EF4-FFF2-40B4-BE49-F238E27FC236}">
-                <a16:creationId xmlns:a16="http://schemas.microsoft.com/office/drawing/2014/main" id="{70FD988F-55AF-B6C9-3CA0-ACFBEFAA8CB2}"/>
-              </a:ext>
-            </a:extLst>
-          </p:cNvPr>
-          <p:cNvSpPr>
-            <a:spLocks noGrp="1"/>
-          </p:cNvSpPr>
-          <p:nvPr>
-            <p:ph type="title"/>
-          </p:nvPr>
-        </p:nvSpPr>
-        <p:spPr/>
-        <p:txBody>
-          <a:bodyPr/>
-          <a:lstStyle/>
-          <a:p>
-            <a:r>
-              <a:rPr lang="de-DE" dirty="0"/>
-              <a:t>Pflegestufen</a:t>
-            </a:r>
-          </a:p>
-        </p:txBody>
-      </p:sp>
-    </p:spTree>
-    <p:extLst>
-      <p:ext uri="{BB962C8B-B14F-4D97-AF65-F5344CB8AC3E}">
-        <p14:creationId xmlns:p14="http://schemas.microsoft.com/office/powerpoint/2010/main" val="420320606"/>
-      </p:ext>
-    </p:extLst>
-  </p:cSld>
-  <p:clrMapOvr>
-    <a:masterClrMapping/>
-  </p:clrMapOvr>
-  <mc:AlternateContent xmlns:mc="http://schemas.openxmlformats.org/markup-compatibility/2006" xmlns:p14="http://schemas.microsoft.com/office/powerpoint/2010/main">
-    <mc:Choice Requires="p14">
-      <p:transition spd="med" p14:dur="700">
-        <p:fade/>
-      </p:transition>
-    </mc:Choice>
-    <mc:Fallback xmlns="">
-      <p:transition spd="med">
-        <p:fade/>
-      </p:transition>
-    </mc:Fallback>
-  </mc:AlternateContent>
-</p:sld>
-</file>
-
-<file path=ppt/slides/slide5.xml><?xml version="1.0" encoding="utf-8"?>
 <p:sld xmlns:a="http://schemas.openxmlformats.org/drawingml/2006/main" xmlns:r="http://schemas.openxmlformats.org/officeDocument/2006/relationships" xmlns:p="http://schemas.openxmlformats.org/presentationml/2006/main">
   <p:cSld>
     <p:spTree>
@@ -8809,7 +8981,7 @@
 </p:sld>
 </file>
 
-<file path=ppt/slides/slide6.xml><?xml version="1.0" encoding="utf-8"?>
+<file path=ppt/slides/slide5.xml><?xml version="1.0" encoding="utf-8"?>
 <p:sld xmlns:a="http://schemas.openxmlformats.org/drawingml/2006/main" xmlns:r="http://schemas.openxmlformats.org/officeDocument/2006/relationships" xmlns:p="http://schemas.openxmlformats.org/presentationml/2006/main">
   <p:cSld>
     <p:spTree>
@@ -8828,100 +9000,10 @@
       </p:grpSpPr>
       <p:sp>
         <p:nvSpPr>
-          <p:cNvPr id="2" name="Inhaltsplatzhalter 1">
-            <a:extLst>
-              <a:ext uri="{FF2B5EF4-FFF2-40B4-BE49-F238E27FC236}">
-                <a16:creationId xmlns:a16="http://schemas.microsoft.com/office/drawing/2014/main" id="{24A4EE7D-3177-22D6-2675-055CEA0A839C}"/>
-              </a:ext>
-            </a:extLst>
-          </p:cNvPr>
-          <p:cNvSpPr>
-            <a:spLocks noGrp="1"/>
-          </p:cNvSpPr>
-          <p:nvPr>
-            <p:ph idx="1"/>
-          </p:nvPr>
-        </p:nvSpPr>
-        <p:spPr/>
-        <p:txBody>
-          <a:bodyPr>
-            <a:normAutofit/>
-          </a:bodyPr>
-          <a:lstStyle/>
-          <a:p>
-            <a:r>
-              <a:rPr lang="de-DE" sz="1800" dirty="0">
-                <a:solidFill>
-                  <a:schemeClr val="bg1"/>
-                </a:solidFill>
-                <a:hlinkClick r:id="rId2">
-                  <a:extLst>
-                    <a:ext uri="{A12FA001-AC4F-418D-AE19-62706E023703}">
-                      <ahyp:hlinkClr xmlns:ahyp="http://schemas.microsoft.com/office/drawing/2018/hyperlinkcolor" val="tx"/>
-                    </a:ext>
-                  </a:extLst>
-                </a:hlinkClick>
-              </a:rPr>
-              <a:t>https://www.tk.de/techniker/leistungen-und-mitgliedschaft/informationen-versicherte/leistungen/weitere-leistungen/pflege/ueber-die-tk-pflegeversicherung/wie-hoch-beitrag-pflegeversicherung-2008660</a:t>
-            </a:r>
-            <a:endParaRPr lang="de-DE" sz="1800" dirty="0">
-              <a:solidFill>
-                <a:schemeClr val="bg1"/>
-              </a:solidFill>
-            </a:endParaRPr>
-          </a:p>
-          <a:p>
-            <a:r>
-              <a:rPr lang="de-DE" sz="1800" dirty="0">
-                <a:solidFill>
-                  <a:schemeClr val="bg1"/>
-                </a:solidFill>
-                <a:hlinkClick r:id="rId3">
-                  <a:extLst>
-                    <a:ext uri="{A12FA001-AC4F-418D-AE19-62706E023703}">
-                      <ahyp:hlinkClr xmlns:ahyp="http://schemas.microsoft.com/office/drawing/2018/hyperlinkcolor" val="tx"/>
-                    </a:ext>
-                  </a:extLst>
-                </a:hlinkClick>
-              </a:rPr>
-              <a:t>https://www.test.de/gesetzliche-pflegeversicherung-5175894-0/</a:t>
-            </a:r>
-            <a:endParaRPr lang="de-DE" sz="1800" dirty="0">
-              <a:solidFill>
-                <a:schemeClr val="bg1"/>
-              </a:solidFill>
-            </a:endParaRPr>
-          </a:p>
-          <a:p>
-            <a:r>
-              <a:rPr lang="de-DE" sz="1800" dirty="0">
-                <a:solidFill>
-                  <a:schemeClr val="bg1"/>
-                </a:solidFill>
-                <a:hlinkClick r:id="rId4">
-                  <a:extLst>
-                    <a:ext uri="{A12FA001-AC4F-418D-AE19-62706E023703}">
-                      <ahyp:hlinkClr xmlns:ahyp="http://schemas.microsoft.com/office/drawing/2018/hyperlinkcolor" val="tx"/>
-                    </a:ext>
-                  </a:extLst>
-                </a:hlinkClick>
-              </a:rPr>
-              <a:t>https://www.bundesgesundheitsministerium.de/themen/pflege/online-ratgeber-pflege/die-pflegeversicherung.html#:~:text=Die%20Pflegeversicherung%20wurde%20am%201,in%20der%20sozialen%20Pflegeversicherung%20versichert</a:t>
-            </a:r>
-            <a:endParaRPr lang="de-DE" sz="1800" dirty="0">
-              <a:solidFill>
-                <a:schemeClr val="bg1"/>
-              </a:solidFill>
-            </a:endParaRPr>
-          </a:p>
-        </p:txBody>
-      </p:sp>
-      <p:sp>
-        <p:nvSpPr>
           <p:cNvPr id="3" name="Titel 2">
             <a:extLst>
               <a:ext uri="{FF2B5EF4-FFF2-40B4-BE49-F238E27FC236}">
-                <a16:creationId xmlns:a16="http://schemas.microsoft.com/office/drawing/2014/main" id="{A2A5B8D1-3ACF-F420-267C-898ADA58FC2C}"/>
+                <a16:creationId xmlns:a16="http://schemas.microsoft.com/office/drawing/2014/main" id="{70FD988F-55AF-B6C9-3CA0-ACFBEFAA8CB2}"/>
               </a:ext>
             </a:extLst>
           </p:cNvPr>
@@ -8932,16 +9014,21 @@
             <p:ph type="title"/>
           </p:nvPr>
         </p:nvSpPr>
-        <p:spPr/>
+        <p:spPr>
+          <a:xfrm>
+            <a:off x="609600" y="2857500"/>
+            <a:ext cx="10972800" cy="1143000"/>
+          </a:xfrm>
+        </p:spPr>
         <p:txBody>
           <a:bodyPr>
-            <a:normAutofit/>
+            <a:noAutofit/>
           </a:bodyPr>
           <a:lstStyle/>
           <a:p>
             <a:r>
-              <a:rPr lang="de-DE" dirty="0"/>
-              <a:t>Quellen</a:t>
+              <a:rPr lang="de-DE" sz="9600" dirty="0"/>
+              <a:t>Pflegestufen</a:t>
             </a:r>
           </a:p>
         </p:txBody>
@@ -8949,7 +9036,7 @@
     </p:spTree>
     <p:extLst>
       <p:ext uri="{BB962C8B-B14F-4D97-AF65-F5344CB8AC3E}">
-        <p14:creationId xmlns:p14="http://schemas.microsoft.com/office/powerpoint/2010/main" val="1868860405"/>
+        <p14:creationId xmlns:p14="http://schemas.microsoft.com/office/powerpoint/2010/main" val="420320606"/>
       </p:ext>
     </p:extLst>
   </p:cSld>
@@ -8963,6 +9050,536 @@
       </p:transition>
     </mc:Choice>
     <mc:Fallback xmlns="">
+      <p:transition spd="med">
+        <p:fade/>
+      </p:transition>
+    </mc:Fallback>
+  </mc:AlternateContent>
+</p:sld>
+</file>
+
+<file path=ppt/slides/slide6.xml><?xml version="1.0" encoding="utf-8"?>
+<p:sld xmlns:a="http://schemas.openxmlformats.org/drawingml/2006/main" xmlns:r="http://schemas.openxmlformats.org/officeDocument/2006/relationships" xmlns:p="http://schemas.openxmlformats.org/presentationml/2006/main">
+  <p:cSld>
+    <p:spTree>
+      <p:nvGrpSpPr>
+        <p:cNvPr id="1" name=""/>
+        <p:cNvGrpSpPr/>
+        <p:nvPr/>
+      </p:nvGrpSpPr>
+      <p:grpSpPr>
+        <a:xfrm>
+          <a:off x="0" y="0"/>
+          <a:ext cx="0" cy="0"/>
+          <a:chOff x="0" y="0"/>
+          <a:chExt cx="0" cy="0"/>
+        </a:xfrm>
+      </p:grpSpPr>
+      <p:pic>
+        <p:nvPicPr>
+          <p:cNvPr id="5" name="Content Placeholder 4">
+            <a:extLst>
+              <a:ext uri="{FF2B5EF4-FFF2-40B4-BE49-F238E27FC236}">
+                <a16:creationId xmlns:a16="http://schemas.microsoft.com/office/drawing/2014/main" id="{339E90FC-C302-6949-CFE7-62483D952DD0}"/>
+              </a:ext>
+            </a:extLst>
+          </p:cNvPr>
+          <p:cNvPicPr>
+            <a:picLocks noGrp="1" noChangeAspect="1"/>
+          </p:cNvPicPr>
+          <p:nvPr>
+            <p:ph idx="1"/>
+          </p:nvPr>
+        </p:nvPicPr>
+        <p:blipFill>
+          <a:blip r:embed="rId2">
+            <a:extLst>
+              <a:ext uri="{28A0092B-C50C-407E-A947-70E740481C1C}">
+                <a14:useLocalDpi xmlns:a14="http://schemas.microsoft.com/office/drawing/2010/main" val="0"/>
+              </a:ext>
+            </a:extLst>
+          </a:blip>
+          <a:stretch>
+            <a:fillRect/>
+          </a:stretch>
+        </p:blipFill>
+        <p:spPr>
+          <a:xfrm>
+            <a:off x="5572868" y="168341"/>
+            <a:ext cx="5970300" cy="6521317"/>
+          </a:xfrm>
+        </p:spPr>
+      </p:pic>
+      <p:sp>
+        <p:nvSpPr>
+          <p:cNvPr id="3" name="Title 2">
+            <a:extLst>
+              <a:ext uri="{FF2B5EF4-FFF2-40B4-BE49-F238E27FC236}">
+                <a16:creationId xmlns:a16="http://schemas.microsoft.com/office/drawing/2014/main" id="{7FDDF0AE-5972-F696-403A-307249F41A01}"/>
+              </a:ext>
+            </a:extLst>
+          </p:cNvPr>
+          <p:cNvSpPr>
+            <a:spLocks noGrp="1"/>
+          </p:cNvSpPr>
+          <p:nvPr>
+            <p:ph type="title"/>
+          </p:nvPr>
+        </p:nvSpPr>
+        <p:spPr>
+          <a:xfrm>
+            <a:off x="0" y="1674697"/>
+            <a:ext cx="4453411" cy="3508603"/>
+          </a:xfrm>
+        </p:spPr>
+        <p:txBody>
+          <a:bodyPr>
+            <a:noAutofit/>
+          </a:bodyPr>
+          <a:lstStyle/>
+          <a:p>
+            <a:r>
+              <a:rPr lang="de-DE" sz="5400" dirty="0"/>
+              <a:t>Pflegestufe 1</a:t>
+            </a:r>
+            <a:br>
+              <a:rPr lang="de-DE" sz="5400" dirty="0"/>
+            </a:br>
+            <a:r>
+              <a:rPr lang="de-DE" sz="2800" i="0" dirty="0">
+                <a:solidFill>
+                  <a:schemeClr val="bg1"/>
+                </a:solidFill>
+                <a:effectLst/>
+              </a:rPr>
+              <a:t>eine geringfügige Beeinträchtigung der Selbständigkeit</a:t>
+            </a:r>
+            <a:br>
+              <a:rPr lang="de-DE" sz="3200" dirty="0">
+                <a:solidFill>
+                  <a:schemeClr val="bg1"/>
+                </a:solidFill>
+              </a:rPr>
+            </a:br>
+            <a:endParaRPr lang="de-DE" sz="5400" dirty="0"/>
+          </a:p>
+        </p:txBody>
+      </p:sp>
+    </p:spTree>
+    <p:extLst>
+      <p:ext uri="{BB962C8B-B14F-4D97-AF65-F5344CB8AC3E}">
+        <p14:creationId xmlns:p14="http://schemas.microsoft.com/office/powerpoint/2010/main" val="364039065"/>
+      </p:ext>
+    </p:extLst>
+  </p:cSld>
+  <p:clrMapOvr>
+    <a:masterClrMapping/>
+  </p:clrMapOvr>
+  <mc:AlternateContent xmlns:mc="http://schemas.openxmlformats.org/markup-compatibility/2006" xmlns:p14="http://schemas.microsoft.com/office/powerpoint/2010/main">
+    <mc:Choice Requires="p14">
+      <p:transition spd="med" p14:dur="700">
+        <p:fade/>
+      </p:transition>
+    </mc:Choice>
+    <mc:Fallback xmlns="">
+      <p:transition spd="med">
+        <p:fade/>
+      </p:transition>
+    </mc:Fallback>
+  </mc:AlternateContent>
+</p:sld>
+</file>
+
+<file path=ppt/slides/slide7.xml><?xml version="1.0" encoding="utf-8"?>
+<p:sld xmlns:a="http://schemas.openxmlformats.org/drawingml/2006/main" xmlns:r="http://schemas.openxmlformats.org/officeDocument/2006/relationships" xmlns:p="http://schemas.openxmlformats.org/presentationml/2006/main">
+  <p:cSld>
+    <p:spTree>
+      <p:nvGrpSpPr>
+        <p:cNvPr id="1" name=""/>
+        <p:cNvGrpSpPr/>
+        <p:nvPr/>
+      </p:nvGrpSpPr>
+      <p:grpSpPr>
+        <a:xfrm>
+          <a:off x="0" y="0"/>
+          <a:ext cx="0" cy="0"/>
+          <a:chOff x="0" y="0"/>
+          <a:chExt cx="0" cy="0"/>
+        </a:xfrm>
+      </p:grpSpPr>
+      <p:sp>
+        <p:nvSpPr>
+          <p:cNvPr id="3" name="Title 2">
+            <a:extLst>
+              <a:ext uri="{FF2B5EF4-FFF2-40B4-BE49-F238E27FC236}">
+                <a16:creationId xmlns:a16="http://schemas.microsoft.com/office/drawing/2014/main" id="{7FDDF0AE-5972-F696-403A-307249F41A01}"/>
+              </a:ext>
+            </a:extLst>
+          </p:cNvPr>
+          <p:cNvSpPr>
+            <a:spLocks noGrp="1"/>
+          </p:cNvSpPr>
+          <p:nvPr>
+            <p:ph type="title"/>
+          </p:nvPr>
+        </p:nvSpPr>
+        <p:spPr>
+          <a:xfrm>
+            <a:off x="0" y="1815026"/>
+            <a:ext cx="4453411" cy="3227946"/>
+          </a:xfrm>
+        </p:spPr>
+        <p:txBody>
+          <a:bodyPr>
+            <a:noAutofit/>
+          </a:bodyPr>
+          <a:lstStyle/>
+          <a:p>
+            <a:r>
+              <a:rPr lang="de-DE" sz="5400" dirty="0"/>
+              <a:t>Pflegestufe 2</a:t>
+            </a:r>
+            <a:br>
+              <a:rPr lang="de-DE" sz="5400" dirty="0"/>
+            </a:br>
+            <a:r>
+              <a:rPr lang="de-DE" sz="2800" i="0" dirty="0">
+                <a:solidFill>
+                  <a:schemeClr val="bg1"/>
+                </a:solidFill>
+                <a:effectLst/>
+              </a:rPr>
+              <a:t>eine erhebliche Beeinträchtigung der Selbstständigkeit</a:t>
+            </a:r>
+            <a:br>
+              <a:rPr lang="de-DE" sz="3200" dirty="0">
+                <a:solidFill>
+                  <a:schemeClr val="bg1"/>
+                </a:solidFill>
+              </a:rPr>
+            </a:br>
+            <a:endParaRPr lang="de-DE" sz="5400" dirty="0"/>
+          </a:p>
+        </p:txBody>
+      </p:sp>
+      <p:pic>
+        <p:nvPicPr>
+          <p:cNvPr id="7" name="Content Placeholder 6">
+            <a:extLst>
+              <a:ext uri="{FF2B5EF4-FFF2-40B4-BE49-F238E27FC236}">
+                <a16:creationId xmlns:a16="http://schemas.microsoft.com/office/drawing/2014/main" id="{524755D6-0D75-A86D-B6BF-5FA6E5070E19}"/>
+              </a:ext>
+            </a:extLst>
+          </p:cNvPr>
+          <p:cNvPicPr>
+            <a:picLocks noGrp="1" noChangeAspect="1"/>
+          </p:cNvPicPr>
+          <p:nvPr>
+            <p:ph idx="1"/>
+          </p:nvPr>
+        </p:nvPicPr>
+        <p:blipFill>
+          <a:blip r:embed="rId2">
+            <a:extLst>
+              <a:ext uri="{28A0092B-C50C-407E-A947-70E740481C1C}">
+                <a14:useLocalDpi xmlns:a14="http://schemas.microsoft.com/office/drawing/2010/main" val="0"/>
+              </a:ext>
+            </a:extLst>
+          </a:blip>
+          <a:stretch>
+            <a:fillRect/>
+          </a:stretch>
+        </p:blipFill>
+        <p:spPr>
+          <a:xfrm>
+            <a:off x="5561845" y="168341"/>
+            <a:ext cx="6097487" cy="6521317"/>
+          </a:xfrm>
+        </p:spPr>
+      </p:pic>
+    </p:spTree>
+    <p:extLst>
+      <p:ext uri="{BB962C8B-B14F-4D97-AF65-F5344CB8AC3E}">
+        <p14:creationId xmlns:p14="http://schemas.microsoft.com/office/powerpoint/2010/main" val="980529521"/>
+      </p:ext>
+    </p:extLst>
+  </p:cSld>
+  <p:clrMapOvr>
+    <a:masterClrMapping/>
+  </p:clrMapOvr>
+  <mc:AlternateContent xmlns:mc="http://schemas.openxmlformats.org/markup-compatibility/2006">
+    <mc:Choice xmlns:p14="http://schemas.microsoft.com/office/powerpoint/2010/main" Requires="p14">
+      <p:transition spd="med" p14:dur="700">
+        <p:fade/>
+      </p:transition>
+    </mc:Choice>
+    <mc:Fallback>
+      <p:transition spd="med">
+        <p:fade/>
+      </p:transition>
+    </mc:Fallback>
+  </mc:AlternateContent>
+</p:sld>
+</file>
+
+<file path=ppt/slides/slide8.xml><?xml version="1.0" encoding="utf-8"?>
+<p:sld xmlns:a="http://schemas.openxmlformats.org/drawingml/2006/main" xmlns:r="http://schemas.openxmlformats.org/officeDocument/2006/relationships" xmlns:p="http://schemas.openxmlformats.org/presentationml/2006/main">
+  <p:cSld>
+    <p:spTree>
+      <p:nvGrpSpPr>
+        <p:cNvPr id="1" name=""/>
+        <p:cNvGrpSpPr/>
+        <p:nvPr/>
+      </p:nvGrpSpPr>
+      <p:grpSpPr>
+        <a:xfrm>
+          <a:off x="0" y="0"/>
+          <a:ext cx="0" cy="0"/>
+          <a:chOff x="0" y="0"/>
+          <a:chExt cx="0" cy="0"/>
+        </a:xfrm>
+      </p:grpSpPr>
+      <p:sp>
+        <p:nvSpPr>
+          <p:cNvPr id="3" name="Title 2">
+            <a:extLst>
+              <a:ext uri="{FF2B5EF4-FFF2-40B4-BE49-F238E27FC236}">
+                <a16:creationId xmlns:a16="http://schemas.microsoft.com/office/drawing/2014/main" id="{7FDDF0AE-5972-F696-403A-307249F41A01}"/>
+              </a:ext>
+            </a:extLst>
+          </p:cNvPr>
+          <p:cNvSpPr>
+            <a:spLocks noGrp="1"/>
+          </p:cNvSpPr>
+          <p:nvPr>
+            <p:ph type="title"/>
+          </p:nvPr>
+        </p:nvSpPr>
+        <p:spPr>
+          <a:xfrm>
+            <a:off x="0" y="1638484"/>
+            <a:ext cx="4453411" cy="3581031"/>
+          </a:xfrm>
+        </p:spPr>
+        <p:txBody>
+          <a:bodyPr>
+            <a:noAutofit/>
+          </a:bodyPr>
+          <a:lstStyle/>
+          <a:p>
+            <a:r>
+              <a:rPr lang="de-DE" sz="5400" dirty="0"/>
+              <a:t>Pflegestufe 3</a:t>
+            </a:r>
+            <a:br>
+              <a:rPr lang="de-DE" sz="5400" dirty="0"/>
+            </a:br>
+            <a:r>
+              <a:rPr lang="de-DE" sz="2800" i="0" dirty="0">
+                <a:solidFill>
+                  <a:schemeClr val="bg1"/>
+                </a:solidFill>
+                <a:effectLst/>
+              </a:rPr>
+              <a:t>eine schwere Beeinträchtigung der Selbstständigkeit</a:t>
+            </a:r>
+            <a:br>
+              <a:rPr lang="de-DE" sz="3200" b="0" i="0" dirty="0">
+                <a:solidFill>
+                  <a:schemeClr val="bg1"/>
+                </a:solidFill>
+                <a:effectLst/>
+              </a:rPr>
+            </a:br>
+            <a:endParaRPr lang="de-DE" sz="5400" dirty="0"/>
+          </a:p>
+        </p:txBody>
+      </p:sp>
+      <p:pic>
+        <p:nvPicPr>
+          <p:cNvPr id="6" name="Content Placeholder 5">
+            <a:extLst>
+              <a:ext uri="{FF2B5EF4-FFF2-40B4-BE49-F238E27FC236}">
+                <a16:creationId xmlns:a16="http://schemas.microsoft.com/office/drawing/2014/main" id="{15CDA16C-B6AC-589D-858A-603F8BDC48B8}"/>
+              </a:ext>
+            </a:extLst>
+          </p:cNvPr>
+          <p:cNvPicPr>
+            <a:picLocks noGrp="1" noChangeAspect="1"/>
+          </p:cNvPicPr>
+          <p:nvPr>
+            <p:ph idx="1"/>
+          </p:nvPr>
+        </p:nvPicPr>
+        <p:blipFill>
+          <a:blip r:embed="rId2">
+            <a:extLst>
+              <a:ext uri="{28A0092B-C50C-407E-A947-70E740481C1C}">
+                <a14:useLocalDpi xmlns:a14="http://schemas.microsoft.com/office/drawing/2010/main" val="0"/>
+              </a:ext>
+            </a:extLst>
+          </a:blip>
+          <a:stretch>
+            <a:fillRect/>
+          </a:stretch>
+        </p:blipFill>
+        <p:spPr>
+          <a:xfrm>
+            <a:off x="5413971" y="109125"/>
+            <a:ext cx="6219731" cy="6639750"/>
+          </a:xfrm>
+        </p:spPr>
+      </p:pic>
+    </p:spTree>
+    <p:extLst>
+      <p:ext uri="{BB962C8B-B14F-4D97-AF65-F5344CB8AC3E}">
+        <p14:creationId xmlns:p14="http://schemas.microsoft.com/office/powerpoint/2010/main" val="3011730625"/>
+      </p:ext>
+    </p:extLst>
+  </p:cSld>
+  <p:clrMapOvr>
+    <a:masterClrMapping/>
+  </p:clrMapOvr>
+  <mc:AlternateContent xmlns:mc="http://schemas.openxmlformats.org/markup-compatibility/2006">
+    <mc:Choice xmlns:p14="http://schemas.microsoft.com/office/powerpoint/2010/main" Requires="p14">
+      <p:transition spd="med" p14:dur="700">
+        <p:fade/>
+      </p:transition>
+    </mc:Choice>
+    <mc:Fallback>
+      <p:transition spd="med">
+        <p:fade/>
+      </p:transition>
+    </mc:Fallback>
+  </mc:AlternateContent>
+</p:sld>
+</file>
+
+<file path=ppt/slides/slide9.xml><?xml version="1.0" encoding="utf-8"?>
+<p:sld xmlns:a="http://schemas.openxmlformats.org/drawingml/2006/main" xmlns:r="http://schemas.openxmlformats.org/officeDocument/2006/relationships" xmlns:p="http://schemas.openxmlformats.org/presentationml/2006/main">
+  <p:cSld>
+    <p:spTree>
+      <p:nvGrpSpPr>
+        <p:cNvPr id="1" name=""/>
+        <p:cNvGrpSpPr/>
+        <p:nvPr/>
+      </p:nvGrpSpPr>
+      <p:grpSpPr>
+        <a:xfrm>
+          <a:off x="0" y="0"/>
+          <a:ext cx="0" cy="0"/>
+          <a:chOff x="0" y="0"/>
+          <a:chExt cx="0" cy="0"/>
+        </a:xfrm>
+      </p:grpSpPr>
+      <p:sp>
+        <p:nvSpPr>
+          <p:cNvPr id="3" name="Title 2">
+            <a:extLst>
+              <a:ext uri="{FF2B5EF4-FFF2-40B4-BE49-F238E27FC236}">
+                <a16:creationId xmlns:a16="http://schemas.microsoft.com/office/drawing/2014/main" id="{7FDDF0AE-5972-F696-403A-307249F41A01}"/>
+              </a:ext>
+            </a:extLst>
+          </p:cNvPr>
+          <p:cNvSpPr>
+            <a:spLocks noGrp="1"/>
+          </p:cNvSpPr>
+          <p:nvPr>
+            <p:ph type="title"/>
+          </p:nvPr>
+        </p:nvSpPr>
+        <p:spPr>
+          <a:xfrm>
+            <a:off x="0" y="1776550"/>
+            <a:ext cx="4453411" cy="3304900"/>
+          </a:xfrm>
+        </p:spPr>
+        <p:txBody>
+          <a:bodyPr>
+            <a:noAutofit/>
+          </a:bodyPr>
+          <a:lstStyle/>
+          <a:p>
+            <a:r>
+              <a:rPr lang="de-DE" sz="5400" dirty="0"/>
+              <a:t>Pflegestufe 4</a:t>
+            </a:r>
+            <a:br>
+              <a:rPr lang="de-DE" sz="5400" dirty="0"/>
+            </a:br>
+            <a:r>
+              <a:rPr lang="de-DE" sz="2800" i="0" dirty="0">
+                <a:solidFill>
+                  <a:schemeClr val="bg1"/>
+                </a:solidFill>
+                <a:effectLst/>
+              </a:rPr>
+              <a:t>eine schwerste Beeinträchtigung der Selbstständigkeit</a:t>
+            </a:r>
+            <a:br>
+              <a:rPr lang="de-DE" sz="3200" b="0" i="0" dirty="0">
+                <a:solidFill>
+                  <a:schemeClr val="bg1"/>
+                </a:solidFill>
+                <a:effectLst/>
+              </a:rPr>
+            </a:br>
+            <a:endParaRPr lang="de-DE" sz="5400" dirty="0"/>
+          </a:p>
+        </p:txBody>
+      </p:sp>
+      <p:pic>
+        <p:nvPicPr>
+          <p:cNvPr id="7" name="Content Placeholder 6">
+            <a:extLst>
+              <a:ext uri="{FF2B5EF4-FFF2-40B4-BE49-F238E27FC236}">
+                <a16:creationId xmlns:a16="http://schemas.microsoft.com/office/drawing/2014/main" id="{B7FE2809-CC0A-C79A-1167-4AAF2DB535BB}"/>
+              </a:ext>
+            </a:extLst>
+          </p:cNvPr>
+          <p:cNvPicPr>
+            <a:picLocks noGrp="1" noChangeAspect="1"/>
+          </p:cNvPicPr>
+          <p:nvPr>
+            <p:ph idx="1"/>
+          </p:nvPr>
+        </p:nvPicPr>
+        <p:blipFill>
+          <a:blip r:embed="rId2">
+            <a:extLst>
+              <a:ext uri="{28A0092B-C50C-407E-A947-70E740481C1C}">
+                <a14:useLocalDpi xmlns:a14="http://schemas.microsoft.com/office/drawing/2010/main" val="0"/>
+              </a:ext>
+            </a:extLst>
+          </a:blip>
+          <a:stretch>
+            <a:fillRect/>
+          </a:stretch>
+        </p:blipFill>
+        <p:spPr>
+          <a:xfrm>
+            <a:off x="5649362" y="208566"/>
+            <a:ext cx="6038662" cy="6440868"/>
+          </a:xfrm>
+        </p:spPr>
+      </p:pic>
+    </p:spTree>
+    <p:extLst>
+      <p:ext uri="{BB962C8B-B14F-4D97-AF65-F5344CB8AC3E}">
+        <p14:creationId xmlns:p14="http://schemas.microsoft.com/office/powerpoint/2010/main" val="93652522"/>
+      </p:ext>
+    </p:extLst>
+  </p:cSld>
+  <p:clrMapOvr>
+    <a:masterClrMapping/>
+  </p:clrMapOvr>
+  <mc:AlternateContent xmlns:mc="http://schemas.openxmlformats.org/markup-compatibility/2006">
+    <mc:Choice xmlns:p14="http://schemas.microsoft.com/office/powerpoint/2010/main" Requires="p14">
+      <p:transition spd="med" p14:dur="700">
+        <p:fade/>
+      </p:transition>
+    </mc:Choice>
+    <mc:Fallback>
       <p:transition spd="med">
         <p:fade/>
       </p:transition>
@@ -9758,141 +10375,6 @@
 </file>
 
 <file path=customXml/item1.xml><?xml version="1.0" encoding="utf-8"?>
-<p:properties xmlns:p="http://schemas.microsoft.com/office/2006/metadata/properties" xmlns:xsi="http://www.w3.org/2001/XMLSchema-instance" xmlns:pc="http://schemas.microsoft.com/office/infopath/2007/PartnerControls">
-  <documentManagement>
-    <APDescription xmlns="4873beb7-5857-4685-be1f-d57550cc96cc" xsi:nil="true"/>
-    <AssetExpire xmlns="4873beb7-5857-4685-be1f-d57550cc96cc">2029-01-01T08:00:00+00:00</AssetExpire>
-    <CampaignTagsTaxHTField0 xmlns="4873beb7-5857-4685-be1f-d57550cc96cc">
-      <Terms xmlns="http://schemas.microsoft.com/office/infopath/2007/PartnerControls"/>
-    </CampaignTagsTaxHTField0>
-    <IntlLangReviewDate xmlns="4873beb7-5857-4685-be1f-d57550cc96cc" xsi:nil="true"/>
-    <TPFriendlyName xmlns="4873beb7-5857-4685-be1f-d57550cc96cc" xsi:nil="true"/>
-    <IntlLangReview xmlns="4873beb7-5857-4685-be1f-d57550cc96cc">false</IntlLangReview>
-    <LocLastLocAttemptVersionLookup xmlns="4873beb7-5857-4685-be1f-d57550cc96cc">856783</LocLastLocAttemptVersionLookup>
-    <PolicheckWords xmlns="4873beb7-5857-4685-be1f-d57550cc96cc" xsi:nil="true"/>
-    <SubmitterId xmlns="4873beb7-5857-4685-be1f-d57550cc96cc" xsi:nil="true"/>
-    <AcquiredFrom xmlns="4873beb7-5857-4685-be1f-d57550cc96cc">Internal MS</AcquiredFrom>
-    <EditorialStatus xmlns="4873beb7-5857-4685-be1f-d57550cc96cc">Complete</EditorialStatus>
-    <Markets xmlns="4873beb7-5857-4685-be1f-d57550cc96cc"/>
-    <OriginAsset xmlns="4873beb7-5857-4685-be1f-d57550cc96cc" xsi:nil="true"/>
-    <AssetStart xmlns="4873beb7-5857-4685-be1f-d57550cc96cc">2012-09-20T10:48:20+00:00</AssetStart>
-    <FriendlyTitle xmlns="4873beb7-5857-4685-be1f-d57550cc96cc" xsi:nil="true"/>
-    <MarketSpecific xmlns="4873beb7-5857-4685-be1f-d57550cc96cc">false</MarketSpecific>
-    <TPNamespace xmlns="4873beb7-5857-4685-be1f-d57550cc96cc" xsi:nil="true"/>
-    <PublishStatusLookup xmlns="4873beb7-5857-4685-be1f-d57550cc96cc">
-      <Value>1622871</Value>
-    </PublishStatusLookup>
-    <APAuthor xmlns="4873beb7-5857-4685-be1f-d57550cc96cc">
-      <UserInfo>
-        <DisplayName>REDMOND\v-luannv</DisplayName>
-        <AccountId>92</AccountId>
-        <AccountType/>
-      </UserInfo>
-    </APAuthor>
-    <TPCommandLine xmlns="4873beb7-5857-4685-be1f-d57550cc96cc" xsi:nil="true"/>
-    <IntlLangReviewer xmlns="4873beb7-5857-4685-be1f-d57550cc96cc" xsi:nil="true"/>
-    <OpenTemplate xmlns="4873beb7-5857-4685-be1f-d57550cc96cc">true</OpenTemplate>
-    <CSXSubmissionDate xmlns="4873beb7-5857-4685-be1f-d57550cc96cc" xsi:nil="true"/>
-    <TaxCatchAll xmlns="4873beb7-5857-4685-be1f-d57550cc96cc"/>
-    <Manager xmlns="4873beb7-5857-4685-be1f-d57550cc96cc" xsi:nil="true"/>
-    <NumericId xmlns="4873beb7-5857-4685-be1f-d57550cc96cc" xsi:nil="true"/>
-    <ParentAssetId xmlns="4873beb7-5857-4685-be1f-d57550cc96cc" xsi:nil="true"/>
-    <OriginalSourceMarket xmlns="4873beb7-5857-4685-be1f-d57550cc96cc" xsi:nil="true"/>
-    <ApprovalStatus xmlns="4873beb7-5857-4685-be1f-d57550cc96cc">InProgress</ApprovalStatus>
-    <TPComponent xmlns="4873beb7-5857-4685-be1f-d57550cc96cc" xsi:nil="true"/>
-    <EditorialTags xmlns="4873beb7-5857-4685-be1f-d57550cc96cc" xsi:nil="true"/>
-    <TPExecutable xmlns="4873beb7-5857-4685-be1f-d57550cc96cc" xsi:nil="true"/>
-    <TPLaunchHelpLink xmlns="4873beb7-5857-4685-be1f-d57550cc96cc" xsi:nil="true"/>
-    <LocComments xmlns="4873beb7-5857-4685-be1f-d57550cc96cc" xsi:nil="true"/>
-    <LocRecommendedHandoff xmlns="4873beb7-5857-4685-be1f-d57550cc96cc" xsi:nil="true"/>
-    <SourceTitle xmlns="4873beb7-5857-4685-be1f-d57550cc96cc" xsi:nil="true"/>
-    <CSXUpdate xmlns="4873beb7-5857-4685-be1f-d57550cc96cc">false</CSXUpdate>
-    <IntlLocPriority xmlns="4873beb7-5857-4685-be1f-d57550cc96cc" xsi:nil="true"/>
-    <UAProjectedTotalWords xmlns="4873beb7-5857-4685-be1f-d57550cc96cc" xsi:nil="true"/>
-    <AssetType xmlns="4873beb7-5857-4685-be1f-d57550cc96cc" xsi:nil="true"/>
-    <MachineTranslated xmlns="4873beb7-5857-4685-be1f-d57550cc96cc">false</MachineTranslated>
-    <OutputCachingOn xmlns="4873beb7-5857-4685-be1f-d57550cc96cc">false</OutputCachingOn>
-    <TemplateStatus xmlns="4873beb7-5857-4685-be1f-d57550cc96cc">Complete</TemplateStatus>
-    <IsSearchable xmlns="4873beb7-5857-4685-be1f-d57550cc96cc">false</IsSearchable>
-    <ContentItem xmlns="4873beb7-5857-4685-be1f-d57550cc96cc" xsi:nil="true"/>
-    <HandoffToMSDN xmlns="4873beb7-5857-4685-be1f-d57550cc96cc" xsi:nil="true"/>
-    <ShowIn xmlns="4873beb7-5857-4685-be1f-d57550cc96cc">Show everywhere</ShowIn>
-    <ThumbnailAssetId xmlns="4873beb7-5857-4685-be1f-d57550cc96cc" xsi:nil="true"/>
-    <UALocComments xmlns="4873beb7-5857-4685-be1f-d57550cc96cc" xsi:nil="true"/>
-    <UALocRecommendation xmlns="4873beb7-5857-4685-be1f-d57550cc96cc">Localize</UALocRecommendation>
-    <LastModifiedDateTime xmlns="4873beb7-5857-4685-be1f-d57550cc96cc" xsi:nil="true"/>
-    <LegacyData xmlns="4873beb7-5857-4685-be1f-d57550cc96cc" xsi:nil="true"/>
-    <LocManualTestRequired xmlns="4873beb7-5857-4685-be1f-d57550cc96cc">false</LocManualTestRequired>
-    <LocMarketGroupTiers2 xmlns="4873beb7-5857-4685-be1f-d57550cc96cc" xsi:nil="true"/>
-    <ClipArtFilename xmlns="4873beb7-5857-4685-be1f-d57550cc96cc" xsi:nil="true"/>
-    <TPApplication xmlns="4873beb7-5857-4685-be1f-d57550cc96cc" xsi:nil="true"/>
-    <CSXHash xmlns="4873beb7-5857-4685-be1f-d57550cc96cc" xsi:nil="true"/>
-    <DirectSourceMarket xmlns="4873beb7-5857-4685-be1f-d57550cc96cc" xsi:nil="true"/>
-    <PrimaryImageGen xmlns="4873beb7-5857-4685-be1f-d57550cc96cc">true</PrimaryImageGen>
-    <PlannedPubDate xmlns="4873beb7-5857-4685-be1f-d57550cc96cc" xsi:nil="true"/>
-    <CSXSubmissionMarket xmlns="4873beb7-5857-4685-be1f-d57550cc96cc" xsi:nil="true"/>
-    <Downloads xmlns="4873beb7-5857-4685-be1f-d57550cc96cc">0</Downloads>
-    <ArtSampleDocs xmlns="4873beb7-5857-4685-be1f-d57550cc96cc" xsi:nil="true"/>
-    <TrustLevel xmlns="4873beb7-5857-4685-be1f-d57550cc96cc">1 Microsoft Managed Content</TrustLevel>
-    <BlockPublish xmlns="4873beb7-5857-4685-be1f-d57550cc96cc">false</BlockPublish>
-    <TPLaunchHelpLinkType xmlns="4873beb7-5857-4685-be1f-d57550cc96cc">Template</TPLaunchHelpLinkType>
-    <LocalizationTagsTaxHTField0 xmlns="4873beb7-5857-4685-be1f-d57550cc96cc">
-      <Terms xmlns="http://schemas.microsoft.com/office/infopath/2007/PartnerControls"/>
-    </LocalizationTagsTaxHTField0>
-    <BusinessGroup xmlns="4873beb7-5857-4685-be1f-d57550cc96cc" xsi:nil="true"/>
-    <Providers xmlns="4873beb7-5857-4685-be1f-d57550cc96cc" xsi:nil="true"/>
-    <TemplateTemplateType xmlns="4873beb7-5857-4685-be1f-d57550cc96cc">PowerPoint Presentation Template</TemplateTemplateType>
-    <TimesCloned xmlns="4873beb7-5857-4685-be1f-d57550cc96cc" xsi:nil="true"/>
-    <TPAppVersion xmlns="4873beb7-5857-4685-be1f-d57550cc96cc" xsi:nil="true"/>
-    <VoteCount xmlns="4873beb7-5857-4685-be1f-d57550cc96cc" xsi:nil="true"/>
-    <AverageRating xmlns="4873beb7-5857-4685-be1f-d57550cc96cc" xsi:nil="true"/>
-    <FeatureTagsTaxHTField0 xmlns="4873beb7-5857-4685-be1f-d57550cc96cc">
-      <Terms xmlns="http://schemas.microsoft.com/office/infopath/2007/PartnerControls"/>
-    </FeatureTagsTaxHTField0>
-    <Provider xmlns="4873beb7-5857-4685-be1f-d57550cc96cc" xsi:nil="true"/>
-    <UACurrentWords xmlns="4873beb7-5857-4685-be1f-d57550cc96cc" xsi:nil="true"/>
-    <AssetId xmlns="4873beb7-5857-4685-be1f-d57550cc96cc">TP103460417</AssetId>
-    <TPClientViewer xmlns="4873beb7-5857-4685-be1f-d57550cc96cc" xsi:nil="true"/>
-    <DSATActionTaken xmlns="4873beb7-5857-4685-be1f-d57550cc96cc" xsi:nil="true"/>
-    <APEditor xmlns="4873beb7-5857-4685-be1f-d57550cc96cc">
-      <UserInfo>
-        <DisplayName/>
-        <AccountId xsi:nil="true"/>
-        <AccountType/>
-      </UserInfo>
-    </APEditor>
-    <TPInstallLocation xmlns="4873beb7-5857-4685-be1f-d57550cc96cc" xsi:nil="true"/>
-    <OOCacheId xmlns="4873beb7-5857-4685-be1f-d57550cc96cc" xsi:nil="true"/>
-    <IsDeleted xmlns="4873beb7-5857-4685-be1f-d57550cc96cc">false</IsDeleted>
-    <PublishTargets xmlns="4873beb7-5857-4685-be1f-d57550cc96cc">OfficeOnlineVNext</PublishTargets>
-    <ApprovalLog xmlns="4873beb7-5857-4685-be1f-d57550cc96cc" xsi:nil="true"/>
-    <BugNumber xmlns="4873beb7-5857-4685-be1f-d57550cc96cc" xsi:nil="true"/>
-    <CrawlForDependencies xmlns="4873beb7-5857-4685-be1f-d57550cc96cc">false</CrawlForDependencies>
-    <InternalTagsTaxHTField0 xmlns="4873beb7-5857-4685-be1f-d57550cc96cc">
-      <Terms xmlns="http://schemas.microsoft.com/office/infopath/2007/PartnerControls"/>
-    </InternalTagsTaxHTField0>
-    <LastHandOff xmlns="4873beb7-5857-4685-be1f-d57550cc96cc" xsi:nil="true"/>
-    <Milestone xmlns="4873beb7-5857-4685-be1f-d57550cc96cc" xsi:nil="true"/>
-    <OriginalRelease xmlns="4873beb7-5857-4685-be1f-d57550cc96cc">15</OriginalRelease>
-    <RecommendationsModifier xmlns="4873beb7-5857-4685-be1f-d57550cc96cc" xsi:nil="true"/>
-    <ScenarioTagsTaxHTField0 xmlns="4873beb7-5857-4685-be1f-d57550cc96cc">
-      <Terms xmlns="http://schemas.microsoft.com/office/infopath/2007/PartnerControls"/>
-    </ScenarioTagsTaxHTField0>
-    <UANotes xmlns="4873beb7-5857-4685-be1f-d57550cc96cc" xsi:nil="true"/>
-  </documentManagement>
-</p:properties>
-</file>
-
-<file path=customXml/item2.xml><?xml version="1.0" encoding="utf-8"?>
-<?mso-contentType ?>
-<FormTemplates xmlns="http://schemas.microsoft.com/sharepoint/v3/contenttype/forms">
-  <Display>DocumentLibraryForm</Display>
-  <Edit>AssetEditForm</Edit>
-  <New>DocumentLibraryForm</New>
-</FormTemplates>
-</file>
-
-<file path=customXml/item3.xml><?xml version="1.0" encoding="utf-8"?>
 <ct:contentTypeSchema xmlns:ct="http://schemas.microsoft.com/office/2006/metadata/contentType" xmlns:ma="http://schemas.microsoft.com/office/2006/metadata/properties/metaAttributes" ct:_="" ma:_="" ma:contentTypeName="TemplateFile" ma:contentTypeID="0x0101006EDDDB5EE6D98C44930B742096920B300400F5B6D36B3EF94B4E9A635CDF2A18F5B8" ma:contentTypeVersion="72" ma:contentTypeDescription="Create a new document." ma:contentTypeScope="" ma:versionID="a23e56308344d904b51738559c3d67c9">
   <xsd:schema xmlns:xsd="http://www.w3.org/2001/XMLSchema" xmlns:xs="http://www.w3.org/2001/XMLSchema" xmlns:p="http://schemas.microsoft.com/office/2006/metadata/properties" xmlns:ns2="4873beb7-5857-4685-be1f-d57550cc96cc" targetNamespace="http://schemas.microsoft.com/office/2006/metadata/properties" ma:root="true" ma:fieldsID="cd0908cc4600e77bf5da051303e00c8d" ns2:_="">
     <xsd:import namespace="4873beb7-5857-4685-be1f-d57550cc96cc"/>
@@ -10932,25 +11414,142 @@
 </ct:contentTypeSchema>
 </file>
 
-<file path=customXml/itemProps1.xml><?xml version="1.0" encoding="utf-8"?>
-<ds:datastoreItem xmlns:ds="http://schemas.openxmlformats.org/officeDocument/2006/customXml" ds:itemID="{D0D1C9B0-FE26-433B-8E1A-54CCDFA4EB1D}">
-  <ds:schemaRefs>
-    <ds:schemaRef ds:uri="http://schemas.microsoft.com/office/2006/metadata/properties"/>
-    <ds:schemaRef ds:uri="http://schemas.microsoft.com/office/infopath/2007/PartnerControls"/>
-    <ds:schemaRef ds:uri="4873beb7-5857-4685-be1f-d57550cc96cc"/>
-  </ds:schemaRefs>
-</ds:datastoreItem>
+<file path=customXml/item2.xml><?xml version="1.0" encoding="utf-8"?>
+<?mso-contentType ?>
+<FormTemplates xmlns="http://schemas.microsoft.com/sharepoint/v3/contenttype/forms">
+  <Display>DocumentLibraryForm</Display>
+  <Edit>AssetEditForm</Edit>
+  <New>DocumentLibraryForm</New>
+</FormTemplates>
 </file>
 
-<file path=customXml/itemProps2.xml><?xml version="1.0" encoding="utf-8"?>
-<ds:datastoreItem xmlns:ds="http://schemas.openxmlformats.org/officeDocument/2006/customXml" ds:itemID="{100AC149-8447-4BE5-88C7-DBE24EA73E83}">
-  <ds:schemaRefs>
-    <ds:schemaRef ds:uri="http://schemas.microsoft.com/sharepoint/v3/contenttype/forms"/>
-  </ds:schemaRefs>
-</ds:datastoreItem>
+<file path=customXml/item3.xml><?xml version="1.0" encoding="utf-8"?>
+<p:properties xmlns:p="http://schemas.microsoft.com/office/2006/metadata/properties" xmlns:xsi="http://www.w3.org/2001/XMLSchema-instance" xmlns:pc="http://schemas.microsoft.com/office/infopath/2007/PartnerControls">
+  <documentManagement>
+    <APDescription xmlns="4873beb7-5857-4685-be1f-d57550cc96cc" xsi:nil="true"/>
+    <AssetExpire xmlns="4873beb7-5857-4685-be1f-d57550cc96cc">2029-01-01T08:00:00+00:00</AssetExpire>
+    <CampaignTagsTaxHTField0 xmlns="4873beb7-5857-4685-be1f-d57550cc96cc">
+      <Terms xmlns="http://schemas.microsoft.com/office/infopath/2007/PartnerControls"/>
+    </CampaignTagsTaxHTField0>
+    <IntlLangReviewDate xmlns="4873beb7-5857-4685-be1f-d57550cc96cc" xsi:nil="true"/>
+    <TPFriendlyName xmlns="4873beb7-5857-4685-be1f-d57550cc96cc" xsi:nil="true"/>
+    <IntlLangReview xmlns="4873beb7-5857-4685-be1f-d57550cc96cc">false</IntlLangReview>
+    <LocLastLocAttemptVersionLookup xmlns="4873beb7-5857-4685-be1f-d57550cc96cc">856783</LocLastLocAttemptVersionLookup>
+    <PolicheckWords xmlns="4873beb7-5857-4685-be1f-d57550cc96cc" xsi:nil="true"/>
+    <SubmitterId xmlns="4873beb7-5857-4685-be1f-d57550cc96cc" xsi:nil="true"/>
+    <AcquiredFrom xmlns="4873beb7-5857-4685-be1f-d57550cc96cc">Internal MS</AcquiredFrom>
+    <EditorialStatus xmlns="4873beb7-5857-4685-be1f-d57550cc96cc">Complete</EditorialStatus>
+    <Markets xmlns="4873beb7-5857-4685-be1f-d57550cc96cc"/>
+    <OriginAsset xmlns="4873beb7-5857-4685-be1f-d57550cc96cc" xsi:nil="true"/>
+    <AssetStart xmlns="4873beb7-5857-4685-be1f-d57550cc96cc">2012-09-20T10:48:20+00:00</AssetStart>
+    <FriendlyTitle xmlns="4873beb7-5857-4685-be1f-d57550cc96cc" xsi:nil="true"/>
+    <MarketSpecific xmlns="4873beb7-5857-4685-be1f-d57550cc96cc">false</MarketSpecific>
+    <TPNamespace xmlns="4873beb7-5857-4685-be1f-d57550cc96cc" xsi:nil="true"/>
+    <PublishStatusLookup xmlns="4873beb7-5857-4685-be1f-d57550cc96cc">
+      <Value>1622871</Value>
+    </PublishStatusLookup>
+    <APAuthor xmlns="4873beb7-5857-4685-be1f-d57550cc96cc">
+      <UserInfo>
+        <DisplayName>REDMOND\v-luannv</DisplayName>
+        <AccountId>92</AccountId>
+        <AccountType/>
+      </UserInfo>
+    </APAuthor>
+    <TPCommandLine xmlns="4873beb7-5857-4685-be1f-d57550cc96cc" xsi:nil="true"/>
+    <IntlLangReviewer xmlns="4873beb7-5857-4685-be1f-d57550cc96cc" xsi:nil="true"/>
+    <OpenTemplate xmlns="4873beb7-5857-4685-be1f-d57550cc96cc">true</OpenTemplate>
+    <CSXSubmissionDate xmlns="4873beb7-5857-4685-be1f-d57550cc96cc" xsi:nil="true"/>
+    <TaxCatchAll xmlns="4873beb7-5857-4685-be1f-d57550cc96cc"/>
+    <Manager xmlns="4873beb7-5857-4685-be1f-d57550cc96cc" xsi:nil="true"/>
+    <NumericId xmlns="4873beb7-5857-4685-be1f-d57550cc96cc" xsi:nil="true"/>
+    <ParentAssetId xmlns="4873beb7-5857-4685-be1f-d57550cc96cc" xsi:nil="true"/>
+    <OriginalSourceMarket xmlns="4873beb7-5857-4685-be1f-d57550cc96cc" xsi:nil="true"/>
+    <ApprovalStatus xmlns="4873beb7-5857-4685-be1f-d57550cc96cc">InProgress</ApprovalStatus>
+    <TPComponent xmlns="4873beb7-5857-4685-be1f-d57550cc96cc" xsi:nil="true"/>
+    <EditorialTags xmlns="4873beb7-5857-4685-be1f-d57550cc96cc" xsi:nil="true"/>
+    <TPExecutable xmlns="4873beb7-5857-4685-be1f-d57550cc96cc" xsi:nil="true"/>
+    <TPLaunchHelpLink xmlns="4873beb7-5857-4685-be1f-d57550cc96cc" xsi:nil="true"/>
+    <LocComments xmlns="4873beb7-5857-4685-be1f-d57550cc96cc" xsi:nil="true"/>
+    <LocRecommendedHandoff xmlns="4873beb7-5857-4685-be1f-d57550cc96cc" xsi:nil="true"/>
+    <SourceTitle xmlns="4873beb7-5857-4685-be1f-d57550cc96cc" xsi:nil="true"/>
+    <CSXUpdate xmlns="4873beb7-5857-4685-be1f-d57550cc96cc">false</CSXUpdate>
+    <IntlLocPriority xmlns="4873beb7-5857-4685-be1f-d57550cc96cc" xsi:nil="true"/>
+    <UAProjectedTotalWords xmlns="4873beb7-5857-4685-be1f-d57550cc96cc" xsi:nil="true"/>
+    <AssetType xmlns="4873beb7-5857-4685-be1f-d57550cc96cc" xsi:nil="true"/>
+    <MachineTranslated xmlns="4873beb7-5857-4685-be1f-d57550cc96cc">false</MachineTranslated>
+    <OutputCachingOn xmlns="4873beb7-5857-4685-be1f-d57550cc96cc">false</OutputCachingOn>
+    <TemplateStatus xmlns="4873beb7-5857-4685-be1f-d57550cc96cc">Complete</TemplateStatus>
+    <IsSearchable xmlns="4873beb7-5857-4685-be1f-d57550cc96cc">false</IsSearchable>
+    <ContentItem xmlns="4873beb7-5857-4685-be1f-d57550cc96cc" xsi:nil="true"/>
+    <HandoffToMSDN xmlns="4873beb7-5857-4685-be1f-d57550cc96cc" xsi:nil="true"/>
+    <ShowIn xmlns="4873beb7-5857-4685-be1f-d57550cc96cc">Show everywhere</ShowIn>
+    <ThumbnailAssetId xmlns="4873beb7-5857-4685-be1f-d57550cc96cc" xsi:nil="true"/>
+    <UALocComments xmlns="4873beb7-5857-4685-be1f-d57550cc96cc" xsi:nil="true"/>
+    <UALocRecommendation xmlns="4873beb7-5857-4685-be1f-d57550cc96cc">Localize</UALocRecommendation>
+    <LastModifiedDateTime xmlns="4873beb7-5857-4685-be1f-d57550cc96cc" xsi:nil="true"/>
+    <LegacyData xmlns="4873beb7-5857-4685-be1f-d57550cc96cc" xsi:nil="true"/>
+    <LocManualTestRequired xmlns="4873beb7-5857-4685-be1f-d57550cc96cc">false</LocManualTestRequired>
+    <LocMarketGroupTiers2 xmlns="4873beb7-5857-4685-be1f-d57550cc96cc" xsi:nil="true"/>
+    <ClipArtFilename xmlns="4873beb7-5857-4685-be1f-d57550cc96cc" xsi:nil="true"/>
+    <TPApplication xmlns="4873beb7-5857-4685-be1f-d57550cc96cc" xsi:nil="true"/>
+    <CSXHash xmlns="4873beb7-5857-4685-be1f-d57550cc96cc" xsi:nil="true"/>
+    <DirectSourceMarket xmlns="4873beb7-5857-4685-be1f-d57550cc96cc" xsi:nil="true"/>
+    <PrimaryImageGen xmlns="4873beb7-5857-4685-be1f-d57550cc96cc">true</PrimaryImageGen>
+    <PlannedPubDate xmlns="4873beb7-5857-4685-be1f-d57550cc96cc" xsi:nil="true"/>
+    <CSXSubmissionMarket xmlns="4873beb7-5857-4685-be1f-d57550cc96cc" xsi:nil="true"/>
+    <Downloads xmlns="4873beb7-5857-4685-be1f-d57550cc96cc">0</Downloads>
+    <ArtSampleDocs xmlns="4873beb7-5857-4685-be1f-d57550cc96cc" xsi:nil="true"/>
+    <TrustLevel xmlns="4873beb7-5857-4685-be1f-d57550cc96cc">1 Microsoft Managed Content</TrustLevel>
+    <BlockPublish xmlns="4873beb7-5857-4685-be1f-d57550cc96cc">false</BlockPublish>
+    <TPLaunchHelpLinkType xmlns="4873beb7-5857-4685-be1f-d57550cc96cc">Template</TPLaunchHelpLinkType>
+    <LocalizationTagsTaxHTField0 xmlns="4873beb7-5857-4685-be1f-d57550cc96cc">
+      <Terms xmlns="http://schemas.microsoft.com/office/infopath/2007/PartnerControls"/>
+    </LocalizationTagsTaxHTField0>
+    <BusinessGroup xmlns="4873beb7-5857-4685-be1f-d57550cc96cc" xsi:nil="true"/>
+    <Providers xmlns="4873beb7-5857-4685-be1f-d57550cc96cc" xsi:nil="true"/>
+    <TemplateTemplateType xmlns="4873beb7-5857-4685-be1f-d57550cc96cc">PowerPoint Presentation Template</TemplateTemplateType>
+    <TimesCloned xmlns="4873beb7-5857-4685-be1f-d57550cc96cc" xsi:nil="true"/>
+    <TPAppVersion xmlns="4873beb7-5857-4685-be1f-d57550cc96cc" xsi:nil="true"/>
+    <VoteCount xmlns="4873beb7-5857-4685-be1f-d57550cc96cc" xsi:nil="true"/>
+    <AverageRating xmlns="4873beb7-5857-4685-be1f-d57550cc96cc" xsi:nil="true"/>
+    <FeatureTagsTaxHTField0 xmlns="4873beb7-5857-4685-be1f-d57550cc96cc">
+      <Terms xmlns="http://schemas.microsoft.com/office/infopath/2007/PartnerControls"/>
+    </FeatureTagsTaxHTField0>
+    <Provider xmlns="4873beb7-5857-4685-be1f-d57550cc96cc" xsi:nil="true"/>
+    <UACurrentWords xmlns="4873beb7-5857-4685-be1f-d57550cc96cc" xsi:nil="true"/>
+    <AssetId xmlns="4873beb7-5857-4685-be1f-d57550cc96cc">TP103460417</AssetId>
+    <TPClientViewer xmlns="4873beb7-5857-4685-be1f-d57550cc96cc" xsi:nil="true"/>
+    <DSATActionTaken xmlns="4873beb7-5857-4685-be1f-d57550cc96cc" xsi:nil="true"/>
+    <APEditor xmlns="4873beb7-5857-4685-be1f-d57550cc96cc">
+      <UserInfo>
+        <DisplayName/>
+        <AccountId xsi:nil="true"/>
+        <AccountType/>
+      </UserInfo>
+    </APEditor>
+    <TPInstallLocation xmlns="4873beb7-5857-4685-be1f-d57550cc96cc" xsi:nil="true"/>
+    <OOCacheId xmlns="4873beb7-5857-4685-be1f-d57550cc96cc" xsi:nil="true"/>
+    <IsDeleted xmlns="4873beb7-5857-4685-be1f-d57550cc96cc">false</IsDeleted>
+    <PublishTargets xmlns="4873beb7-5857-4685-be1f-d57550cc96cc">OfficeOnlineVNext</PublishTargets>
+    <ApprovalLog xmlns="4873beb7-5857-4685-be1f-d57550cc96cc" xsi:nil="true"/>
+    <BugNumber xmlns="4873beb7-5857-4685-be1f-d57550cc96cc" xsi:nil="true"/>
+    <CrawlForDependencies xmlns="4873beb7-5857-4685-be1f-d57550cc96cc">false</CrawlForDependencies>
+    <InternalTagsTaxHTField0 xmlns="4873beb7-5857-4685-be1f-d57550cc96cc">
+      <Terms xmlns="http://schemas.microsoft.com/office/infopath/2007/PartnerControls"/>
+    </InternalTagsTaxHTField0>
+    <LastHandOff xmlns="4873beb7-5857-4685-be1f-d57550cc96cc" xsi:nil="true"/>
+    <Milestone xmlns="4873beb7-5857-4685-be1f-d57550cc96cc" xsi:nil="true"/>
+    <OriginalRelease xmlns="4873beb7-5857-4685-be1f-d57550cc96cc">15</OriginalRelease>
+    <RecommendationsModifier xmlns="4873beb7-5857-4685-be1f-d57550cc96cc" xsi:nil="true"/>
+    <ScenarioTagsTaxHTField0 xmlns="4873beb7-5857-4685-be1f-d57550cc96cc">
+      <Terms xmlns="http://schemas.microsoft.com/office/infopath/2007/PartnerControls"/>
+    </ScenarioTagsTaxHTField0>
+    <UANotes xmlns="4873beb7-5857-4685-be1f-d57550cc96cc" xsi:nil="true"/>
+  </documentManagement>
+</p:properties>
 </file>
 
-<file path=customXml/itemProps3.xml><?xml version="1.0" encoding="utf-8"?>
+<file path=customXml/itemProps1.xml><?xml version="1.0" encoding="utf-8"?>
 <ds:datastoreItem xmlns:ds="http://schemas.openxmlformats.org/officeDocument/2006/customXml" ds:itemID="{79EEAAAD-F811-4325-83A2-D14EDE05FBFF}">
   <ds:schemaRefs>
     <ds:schemaRef ds:uri="http://schemas.microsoft.com/office/2006/metadata/contentType"/>
@@ -10966,4 +11565,22 @@
     <ds:schemaRef ds:uri="http://schemas.microsoft.com/internal/obd"/>
   </ds:schemaRefs>
 </ds:datastoreItem>
+</file>
+
+<file path=customXml/itemProps2.xml><?xml version="1.0" encoding="utf-8"?>
+<ds:datastoreItem xmlns:ds="http://schemas.openxmlformats.org/officeDocument/2006/customXml" ds:itemID="{100AC149-8447-4BE5-88C7-DBE24EA73E83}">
+  <ds:schemaRefs>
+    <ds:schemaRef ds:uri="http://schemas.microsoft.com/sharepoint/v3/contenttype/forms"/>
+  </ds:schemaRefs>
+</ds:datastoreItem>
+</file>
+
+<file path=customXml/itemProps3.xml><?xml version="1.0" encoding="utf-8"?>
+<ds:datastoreItem xmlns:ds="http://schemas.openxmlformats.org/officeDocument/2006/customXml" ds:itemID="{D0D1C9B0-FE26-433B-8E1A-54CCDFA4EB1D}">
+  <ds:schemaRefs>
+    <ds:schemaRef ds:uri="http://schemas.microsoft.com/office/2006/metadata/properties"/>
+    <ds:schemaRef ds:uri="http://schemas.microsoft.com/office/infopath/2007/PartnerControls"/>
+    <ds:schemaRef ds:uri="4873beb7-5857-4685-be1f-d57550cc96cc"/>
+  </ds:schemaRefs>
+</ds:datastoreItem>
 </file>
--- a/Politik/Pflegeversicherung.pptx
+++ b/Politik/Pflegeversicherung.pptx
@@ -8094,7 +8094,7 @@
         <p:spPr>
           <a:xfrm>
             <a:off x="719847" y="5622587"/>
-            <a:ext cx="4627485" cy="369332"/>
+            <a:ext cx="4487960" cy="369332"/>
           </a:xfrm>
           <a:prstGeom prst="rect">
             <a:avLst/>
@@ -8113,7 +8113,7 @@
                   <a:schemeClr val="bg1"/>
                 </a:solidFill>
               </a:rPr>
-              <a:t>Von Max Dülmen, Vincent Veeh, Robert Merker</a:t>
+              <a:t>Von Max Woelk, Vincent Veeh, Robert Merker</a:t>
             </a:r>
           </a:p>
         </p:txBody>
@@ -8260,13 +8260,13 @@
   <p:clrMapOvr>
     <a:masterClrMapping/>
   </p:clrMapOvr>
-  <mc:AlternateContent xmlns:mc="http://schemas.openxmlformats.org/markup-compatibility/2006">
-    <mc:Choice xmlns:p14="http://schemas.microsoft.com/office/powerpoint/2010/main" Requires="p14">
+  <mc:AlternateContent xmlns:mc="http://schemas.openxmlformats.org/markup-compatibility/2006" xmlns:p14="http://schemas.microsoft.com/office/powerpoint/2010/main">
+    <mc:Choice Requires="p14">
       <p:transition spd="med" p14:dur="700">
         <p:fade/>
       </p:transition>
     </mc:Choice>
-    <mc:Fallback>
+    <mc:Fallback xmlns="">
       <p:transition spd="med">
         <p:fade/>
       </p:transition>
@@ -9307,13 +9307,13 @@
   <p:clrMapOvr>
     <a:masterClrMapping/>
   </p:clrMapOvr>
-  <mc:AlternateContent xmlns:mc="http://schemas.openxmlformats.org/markup-compatibility/2006">
-    <mc:Choice xmlns:p14="http://schemas.microsoft.com/office/powerpoint/2010/main" Requires="p14">
+  <mc:AlternateContent xmlns:mc="http://schemas.openxmlformats.org/markup-compatibility/2006" xmlns:p14="http://schemas.microsoft.com/office/powerpoint/2010/main">
+    <mc:Choice Requires="p14">
       <p:transition spd="med" p14:dur="700">
         <p:fade/>
       </p:transition>
     </mc:Choice>
-    <mc:Fallback>
+    <mc:Fallback xmlns="">
       <p:transition spd="med">
         <p:fade/>
       </p:transition>
@@ -9440,13 +9440,13 @@
   <p:clrMapOvr>
     <a:masterClrMapping/>
   </p:clrMapOvr>
-  <mc:AlternateContent xmlns:mc="http://schemas.openxmlformats.org/markup-compatibility/2006">
-    <mc:Choice xmlns:p14="http://schemas.microsoft.com/office/powerpoint/2010/main" Requires="p14">
+  <mc:AlternateContent xmlns:mc="http://schemas.openxmlformats.org/markup-compatibility/2006" xmlns:p14="http://schemas.microsoft.com/office/powerpoint/2010/main">
+    <mc:Choice Requires="p14">
       <p:transition spd="med" p14:dur="700">
         <p:fade/>
       </p:transition>
     </mc:Choice>
-    <mc:Fallback>
+    <mc:Fallback xmlns="">
       <p:transition spd="med">
         <p:fade/>
       </p:transition>
@@ -9573,13 +9573,13 @@
   <p:clrMapOvr>
     <a:masterClrMapping/>
   </p:clrMapOvr>
-  <mc:AlternateContent xmlns:mc="http://schemas.openxmlformats.org/markup-compatibility/2006">
-    <mc:Choice xmlns:p14="http://schemas.microsoft.com/office/powerpoint/2010/main" Requires="p14">
+  <mc:AlternateContent xmlns:mc="http://schemas.openxmlformats.org/markup-compatibility/2006" xmlns:p14="http://schemas.microsoft.com/office/powerpoint/2010/main">
+    <mc:Choice Requires="p14">
       <p:transition spd="med" p14:dur="700">
         <p:fade/>
       </p:transition>
     </mc:Choice>
-    <mc:Fallback>
+    <mc:Fallback xmlns="">
       <p:transition spd="med">
         <p:fade/>
       </p:transition>
@@ -11415,15 +11415,6 @@
 </file>
 
 <file path=customXml/item2.xml><?xml version="1.0" encoding="utf-8"?>
-<?mso-contentType ?>
-<FormTemplates xmlns="http://schemas.microsoft.com/sharepoint/v3/contenttype/forms">
-  <Display>DocumentLibraryForm</Display>
-  <Edit>AssetEditForm</Edit>
-  <New>DocumentLibraryForm</New>
-</FormTemplates>
-</file>
-
-<file path=customXml/item3.xml><?xml version="1.0" encoding="utf-8"?>
 <p:properties xmlns:p="http://schemas.microsoft.com/office/2006/metadata/properties" xmlns:xsi="http://www.w3.org/2001/XMLSchema-instance" xmlns:pc="http://schemas.microsoft.com/office/infopath/2007/PartnerControls">
   <documentManagement>
     <APDescription xmlns="4873beb7-5857-4685-be1f-d57550cc96cc" xsi:nil="true"/>
@@ -11549,6 +11540,15 @@
 </p:properties>
 </file>
 
+<file path=customXml/item3.xml><?xml version="1.0" encoding="utf-8"?>
+<?mso-contentType ?>
+<FormTemplates xmlns="http://schemas.microsoft.com/sharepoint/v3/contenttype/forms">
+  <Display>DocumentLibraryForm</Display>
+  <Edit>AssetEditForm</Edit>
+  <New>DocumentLibraryForm</New>
+</FormTemplates>
+</file>
+
 <file path=customXml/itemProps1.xml><?xml version="1.0" encoding="utf-8"?>
 <ds:datastoreItem xmlns:ds="http://schemas.openxmlformats.org/officeDocument/2006/customXml" ds:itemID="{79EEAAAD-F811-4325-83A2-D14EDE05FBFF}">
   <ds:schemaRefs>
@@ -11568,14 +11568,6 @@
 </file>
 
 <file path=customXml/itemProps2.xml><?xml version="1.0" encoding="utf-8"?>
-<ds:datastoreItem xmlns:ds="http://schemas.openxmlformats.org/officeDocument/2006/customXml" ds:itemID="{100AC149-8447-4BE5-88C7-DBE24EA73E83}">
-  <ds:schemaRefs>
-    <ds:schemaRef ds:uri="http://schemas.microsoft.com/sharepoint/v3/contenttype/forms"/>
-  </ds:schemaRefs>
-</ds:datastoreItem>
-</file>
-
-<file path=customXml/itemProps3.xml><?xml version="1.0" encoding="utf-8"?>
 <ds:datastoreItem xmlns:ds="http://schemas.openxmlformats.org/officeDocument/2006/customXml" ds:itemID="{D0D1C9B0-FE26-433B-8E1A-54CCDFA4EB1D}">
   <ds:schemaRefs>
     <ds:schemaRef ds:uri="http://schemas.microsoft.com/office/2006/metadata/properties"/>
@@ -11583,4 +11575,12 @@
     <ds:schemaRef ds:uri="4873beb7-5857-4685-be1f-d57550cc96cc"/>
   </ds:schemaRefs>
 </ds:datastoreItem>
+</file>
+
+<file path=customXml/itemProps3.xml><?xml version="1.0" encoding="utf-8"?>
+<ds:datastoreItem xmlns:ds="http://schemas.openxmlformats.org/officeDocument/2006/customXml" ds:itemID="{100AC149-8447-4BE5-88C7-DBE24EA73E83}">
+  <ds:schemaRefs>
+    <ds:schemaRef ds:uri="http://schemas.microsoft.com/sharepoint/v3/contenttype/forms"/>
+  </ds:schemaRefs>
+</ds:datastoreItem>
 </file>
--- a/Politik/Pflegeversicherung.pptx
+++ b/Politik/Pflegeversicherung.pptx
@@ -215,7 +215,7 @@
             <a:pPr rtl="0"/>
             <a:fld id="{FB9D24E4-83F8-4F89-B5D3-BE6F182EAFEC}" type="datetime1">
               <a:rPr lang="de-DE" smtClean="0"/>
-              <a:t>27.09.2022</a:t>
+              <a:t>28.09.2022</a:t>
             </a:fld>
             <a:endParaRPr lang="de-DE"/>
           </a:p>
@@ -283,7 +283,7 @@
             <a:pPr rtl="0"/>
             <a:fld id="{A9B61BEE-A6B4-49DE-8859-2A55F155C514}" type="slidenum">
               <a:rPr lang="de-DE" smtClean="0"/>
-              <a:t>‹#›</a:t>
+              <a:t>‹Nr.›</a:t>
             </a:fld>
             <a:endParaRPr lang="de-DE"/>
           </a:p>
@@ -385,7 +385,7 @@
             <a:fld id="{70BB5FB9-140B-4107-845E-36B3E7186F65}" type="datetime1">
               <a:rPr lang="de-DE" smtClean="0"/>
               <a:pPr/>
-              <a:t>27.09.2022</a:t>
+              <a:t>28.09.2022</a:t>
             </a:fld>
             <a:endParaRPr lang="de-DE" dirty="0"/>
           </a:p>
@@ -546,7 +546,7 @@
             <a:pPr rtl="0"/>
             <a:fld id="{96E6A182-AF03-4CC8-94DC-C0726DF52A64}" type="slidenum">
               <a:rPr lang="de-DE" noProof="0" smtClean="0"/>
-              <a:t>‹#›</a:t>
+              <a:t>‹Nr.›</a:t>
             </a:fld>
             <a:endParaRPr lang="de-DE" noProof="0"/>
           </a:p>
@@ -863,7 +863,7 @@
             <a:pPr rtl="0"/>
             <a:fld id="{2E537224-DDE7-458E-95FF-CB4FBBF9363D}" type="datetime1">
               <a:rPr lang="de-DE" noProof="0" smtClean="0"/>
-              <a:t>27.09.2022</a:t>
+              <a:t>28.09.2022</a:t>
             </a:fld>
             <a:endParaRPr lang="de-DE" noProof="0"/>
           </a:p>
@@ -907,7 +907,7 @@
             <a:pPr rtl="0"/>
             <a:fld id="{401CF334-2D5C-4859-84A6-CA7E6E43FAEB}" type="slidenum">
               <a:rPr lang="de-DE" noProof="0" smtClean="0"/>
-              <a:t>‹#›</a:t>
+              <a:t>‹Nr.›</a:t>
             </a:fld>
             <a:endParaRPr lang="de-DE" noProof="0"/>
           </a:p>
@@ -1092,7 +1092,7 @@
             <a:pPr rtl="0"/>
             <a:fld id="{28F6ED83-4E9F-40FC-90E9-63E147B310D8}" type="datetime1">
               <a:rPr lang="de-DE" noProof="0" smtClean="0"/>
-              <a:t>27.09.2022</a:t>
+              <a:t>28.09.2022</a:t>
             </a:fld>
             <a:endParaRPr lang="de-DE" noProof="0"/>
           </a:p>
@@ -1136,7 +1136,7 @@
             <a:pPr rtl="0"/>
             <a:fld id="{401CF334-2D5C-4859-84A6-CA7E6E43FAEB}" type="slidenum">
               <a:rPr lang="de-DE" noProof="0" smtClean="0"/>
-              <a:t>‹#›</a:t>
+              <a:t>‹Nr.›</a:t>
             </a:fld>
             <a:endParaRPr lang="de-DE" noProof="0"/>
           </a:p>
@@ -1278,7 +1278,7 @@
             <a:pPr rtl="0"/>
             <a:fld id="{4E64D773-6961-4007-B04E-B92F7A5079CE}" type="datetime1">
               <a:rPr lang="de-DE" noProof="0" smtClean="0"/>
-              <a:t>27.09.2022</a:t>
+              <a:t>28.09.2022</a:t>
             </a:fld>
             <a:endParaRPr lang="de-DE" noProof="0"/>
           </a:p>
@@ -1322,7 +1322,7 @@
             <a:pPr rtl="0"/>
             <a:fld id="{401CF334-2D5C-4859-84A6-CA7E6E43FAEB}" type="slidenum">
               <a:rPr lang="de-DE" noProof="0" smtClean="0"/>
-              <a:t>‹#›</a:t>
+              <a:t>‹Nr.›</a:t>
             </a:fld>
             <a:endParaRPr lang="de-DE" noProof="0"/>
           </a:p>
@@ -1473,7 +1473,7 @@
             <a:pPr rtl="0"/>
             <a:fld id="{6CF67757-8F0A-43A2-95DB-5A0F17F3DED9}" type="datetime1">
               <a:rPr lang="de-DE" noProof="0" smtClean="0"/>
-              <a:t>27.09.2022</a:t>
+              <a:t>28.09.2022</a:t>
             </a:fld>
             <a:endParaRPr lang="de-DE" noProof="0"/>
           </a:p>
@@ -1517,7 +1517,7 @@
             <a:pPr rtl="0"/>
             <a:fld id="{401CF334-2D5C-4859-84A6-CA7E6E43FAEB}" type="slidenum">
               <a:rPr lang="de-DE" noProof="0" smtClean="0"/>
-              <a:t>‹#›</a:t>
+              <a:t>‹Nr.›</a:t>
             </a:fld>
             <a:endParaRPr lang="de-DE" noProof="0"/>
           </a:p>
@@ -1658,7 +1658,7 @@
             <a:pPr rtl="0"/>
             <a:fld id="{3C481AB7-7EAA-4FA3-95EB-651E0DAD4A3B}" type="datetime1">
               <a:rPr lang="de-DE" noProof="0" smtClean="0"/>
-              <a:t>27.09.2022</a:t>
+              <a:t>28.09.2022</a:t>
             </a:fld>
             <a:endParaRPr lang="de-DE" noProof="0"/>
           </a:p>
@@ -1707,7 +1707,7 @@
             <a:pPr rtl="0"/>
             <a:fld id="{401CF334-2D5C-4859-84A6-CA7E6E43FAEB}" type="slidenum">
               <a:rPr lang="de-DE" noProof="0" smtClean="0"/>
-              <a:t>‹#›</a:t>
+              <a:t>‹Nr.›</a:t>
             </a:fld>
             <a:endParaRPr lang="de-DE" noProof="0"/>
           </a:p>
@@ -1912,7 +1912,7 @@
             <a:pPr rtl="0"/>
             <a:fld id="{C8B3E976-4C2F-4A85-8649-8D978DAA45C9}" type="datetime1">
               <a:rPr lang="de-DE" noProof="0" smtClean="0"/>
-              <a:t>27.09.2022</a:t>
+              <a:t>28.09.2022</a:t>
             </a:fld>
             <a:endParaRPr lang="de-DE" noProof="0"/>
           </a:p>
@@ -1956,7 +1956,7 @@
             <a:pPr rtl="0"/>
             <a:fld id="{401CF334-2D5C-4859-84A6-CA7E6E43FAEB}" type="slidenum">
               <a:rPr lang="de-DE" noProof="0" smtClean="0"/>
-              <a:t>‹#›</a:t>
+              <a:t>‹Nr.›</a:t>
             </a:fld>
             <a:endParaRPr lang="de-DE" noProof="0"/>
           </a:p>
@@ -2191,7 +2191,7 @@
             <a:pPr rtl="0"/>
             <a:fld id="{25EACD39-1C27-4D8D-B0FE-DBCD5C998906}" type="datetime1">
               <a:rPr lang="de-DE" noProof="0" smtClean="0"/>
-              <a:t>27.09.2022</a:t>
+              <a:t>28.09.2022</a:t>
             </a:fld>
             <a:endParaRPr lang="de-DE" noProof="0"/>
           </a:p>
@@ -2235,7 +2235,7 @@
             <a:pPr rtl="0"/>
             <a:fld id="{401CF334-2D5C-4859-84A6-CA7E6E43FAEB}" type="slidenum">
               <a:rPr lang="de-DE" noProof="0" smtClean="0"/>
-              <a:t>‹#›</a:t>
+              <a:t>‹Nr.›</a:t>
             </a:fld>
             <a:endParaRPr lang="de-DE" noProof="0"/>
           </a:p>
@@ -2585,7 +2585,7 @@
             <a:pPr rtl="0"/>
             <a:fld id="{2BFE7DE4-9256-4B10-B7AA-D91EB99033AC}" type="datetime1">
               <a:rPr lang="de-DE" noProof="0" smtClean="0"/>
-              <a:t>27.09.2022</a:t>
+              <a:t>28.09.2022</a:t>
             </a:fld>
             <a:endParaRPr lang="de-DE" noProof="0"/>
           </a:p>
@@ -2629,7 +2629,7 @@
             <a:pPr rtl="0"/>
             <a:fld id="{401CF334-2D5C-4859-84A6-CA7E6E43FAEB}" type="slidenum">
               <a:rPr lang="de-DE" noProof="0" smtClean="0"/>
-              <a:t>‹#›</a:t>
+              <a:t>‹Nr.›</a:t>
             </a:fld>
             <a:endParaRPr lang="de-DE" noProof="0"/>
           </a:p>
@@ -2718,7 +2718,7 @@
             <a:pPr rtl="0"/>
             <a:fld id="{DCCFA2D8-FF23-4235-B91B-C28F6B3F434F}" type="datetime1">
               <a:rPr lang="de-DE" noProof="0" smtClean="0"/>
-              <a:t>27.09.2022</a:t>
+              <a:t>28.09.2022</a:t>
             </a:fld>
             <a:endParaRPr lang="de-DE" noProof="0"/>
           </a:p>
@@ -2762,7 +2762,7 @@
             <a:pPr rtl="0"/>
             <a:fld id="{401CF334-2D5C-4859-84A6-CA7E6E43FAEB}" type="slidenum">
               <a:rPr lang="de-DE" noProof="0" smtClean="0"/>
-              <a:t>‹#›</a:t>
+              <a:t>‹Nr.›</a:t>
             </a:fld>
             <a:endParaRPr lang="de-DE" noProof="0"/>
           </a:p>
@@ -2828,7 +2828,7 @@
             <a:pPr rtl="0"/>
             <a:fld id="{EDCED333-6E9D-4F14-9FC9-C56FC4B735E8}" type="datetime1">
               <a:rPr lang="de-DE" noProof="0" smtClean="0"/>
-              <a:t>27.09.2022</a:t>
+              <a:t>28.09.2022</a:t>
             </a:fld>
             <a:endParaRPr lang="de-DE" noProof="0"/>
           </a:p>
@@ -2872,7 +2872,7 @@
             <a:pPr rtl="0"/>
             <a:fld id="{401CF334-2D5C-4859-84A6-CA7E6E43FAEB}" type="slidenum">
               <a:rPr lang="de-DE" noProof="0" smtClean="0"/>
-              <a:t>‹#›</a:t>
+              <a:t>‹Nr.›</a:t>
             </a:fld>
             <a:endParaRPr lang="de-DE" noProof="0"/>
           </a:p>
@@ -3111,7 +3111,7 @@
             <a:pPr rtl="0"/>
             <a:fld id="{4FDEFBB5-E5B8-4345-95E1-FE9606D38103}" type="datetime1">
               <a:rPr lang="de-DE" noProof="0" smtClean="0"/>
-              <a:t>27.09.2022</a:t>
+              <a:t>28.09.2022</a:t>
             </a:fld>
             <a:endParaRPr lang="de-DE" noProof="0"/>
           </a:p>
@@ -3155,7 +3155,7 @@
             <a:pPr rtl="0"/>
             <a:fld id="{401CF334-2D5C-4859-84A6-CA7E6E43FAEB}" type="slidenum">
               <a:rPr lang="de-DE" noProof="0" smtClean="0"/>
-              <a:t>‹#›</a:t>
+              <a:t>‹Nr.›</a:t>
             </a:fld>
             <a:endParaRPr lang="de-DE" noProof="0"/>
           </a:p>
@@ -3422,7 +3422,7 @@
             <a:pPr rtl="0"/>
             <a:fld id="{20B49F97-F096-4ACA-A377-A47BC9AF2EEF}" type="datetime1">
               <a:rPr lang="de-DE" noProof="0" smtClean="0"/>
-              <a:t>27.09.2022</a:t>
+              <a:t>28.09.2022</a:t>
             </a:fld>
             <a:endParaRPr lang="de-DE" noProof="0" dirty="0"/>
           </a:p>
@@ -3502,7 +3502,7 @@
             <a:pPr rtl="0"/>
             <a:fld id="{401CF334-2D5C-4859-84A6-CA7E6E43FAEB}" type="slidenum">
               <a:rPr lang="de-DE" noProof="0" smtClean="0"/>
-              <a:t>‹#›</a:t>
+              <a:t>‹Nr.›</a:t>
             </a:fld>
             <a:endParaRPr lang="de-DE" noProof="0" dirty="0"/>
           </a:p>
@@ -8520,7 +8520,7 @@
                   <a:schemeClr val="bg1"/>
                 </a:solidFill>
               </a:rPr>
-              <a:t>Pflegestufen</a:t>
+              <a:t>Kosten &amp; Kostenträger</a:t>
             </a:r>
           </a:p>
           <a:p>
@@ -8531,7 +8531,7 @@
                   <a:schemeClr val="bg1"/>
                 </a:solidFill>
               </a:rPr>
-              <a:t>Kosten &amp; Kostenträger</a:t>
+              <a:t>Pflegestufen</a:t>
             </a:r>
           </a:p>
           <a:p>
@@ -10375,6 +10375,141 @@
 </file>
 
 <file path=customXml/item1.xml><?xml version="1.0" encoding="utf-8"?>
+<?mso-contentType ?>
+<FormTemplates xmlns="http://schemas.microsoft.com/sharepoint/v3/contenttype/forms">
+  <Display>DocumentLibraryForm</Display>
+  <Edit>AssetEditForm</Edit>
+  <New>DocumentLibraryForm</New>
+</FormTemplates>
+</file>
+
+<file path=customXml/item2.xml><?xml version="1.0" encoding="utf-8"?>
+<p:properties xmlns:p="http://schemas.microsoft.com/office/2006/metadata/properties" xmlns:xsi="http://www.w3.org/2001/XMLSchema-instance" xmlns:pc="http://schemas.microsoft.com/office/infopath/2007/PartnerControls">
+  <documentManagement>
+    <APDescription xmlns="4873beb7-5857-4685-be1f-d57550cc96cc" xsi:nil="true"/>
+    <AssetExpire xmlns="4873beb7-5857-4685-be1f-d57550cc96cc">2029-01-01T08:00:00+00:00</AssetExpire>
+    <CampaignTagsTaxHTField0 xmlns="4873beb7-5857-4685-be1f-d57550cc96cc">
+      <Terms xmlns="http://schemas.microsoft.com/office/infopath/2007/PartnerControls"/>
+    </CampaignTagsTaxHTField0>
+    <IntlLangReviewDate xmlns="4873beb7-5857-4685-be1f-d57550cc96cc" xsi:nil="true"/>
+    <TPFriendlyName xmlns="4873beb7-5857-4685-be1f-d57550cc96cc" xsi:nil="true"/>
+    <IntlLangReview xmlns="4873beb7-5857-4685-be1f-d57550cc96cc">false</IntlLangReview>
+    <LocLastLocAttemptVersionLookup xmlns="4873beb7-5857-4685-be1f-d57550cc96cc">856783</LocLastLocAttemptVersionLookup>
+    <PolicheckWords xmlns="4873beb7-5857-4685-be1f-d57550cc96cc" xsi:nil="true"/>
+    <SubmitterId xmlns="4873beb7-5857-4685-be1f-d57550cc96cc" xsi:nil="true"/>
+    <AcquiredFrom xmlns="4873beb7-5857-4685-be1f-d57550cc96cc">Internal MS</AcquiredFrom>
+    <EditorialStatus xmlns="4873beb7-5857-4685-be1f-d57550cc96cc">Complete</EditorialStatus>
+    <Markets xmlns="4873beb7-5857-4685-be1f-d57550cc96cc"/>
+    <OriginAsset xmlns="4873beb7-5857-4685-be1f-d57550cc96cc" xsi:nil="true"/>
+    <AssetStart xmlns="4873beb7-5857-4685-be1f-d57550cc96cc">2012-09-20T10:48:20+00:00</AssetStart>
+    <FriendlyTitle xmlns="4873beb7-5857-4685-be1f-d57550cc96cc" xsi:nil="true"/>
+    <MarketSpecific xmlns="4873beb7-5857-4685-be1f-d57550cc96cc">false</MarketSpecific>
+    <TPNamespace xmlns="4873beb7-5857-4685-be1f-d57550cc96cc" xsi:nil="true"/>
+    <PublishStatusLookup xmlns="4873beb7-5857-4685-be1f-d57550cc96cc">
+      <Value>1622871</Value>
+    </PublishStatusLookup>
+    <APAuthor xmlns="4873beb7-5857-4685-be1f-d57550cc96cc">
+      <UserInfo>
+        <DisplayName>REDMOND\v-luannv</DisplayName>
+        <AccountId>92</AccountId>
+        <AccountType/>
+      </UserInfo>
+    </APAuthor>
+    <TPCommandLine xmlns="4873beb7-5857-4685-be1f-d57550cc96cc" xsi:nil="true"/>
+    <IntlLangReviewer xmlns="4873beb7-5857-4685-be1f-d57550cc96cc" xsi:nil="true"/>
+    <OpenTemplate xmlns="4873beb7-5857-4685-be1f-d57550cc96cc">true</OpenTemplate>
+    <CSXSubmissionDate xmlns="4873beb7-5857-4685-be1f-d57550cc96cc" xsi:nil="true"/>
+    <TaxCatchAll xmlns="4873beb7-5857-4685-be1f-d57550cc96cc"/>
+    <Manager xmlns="4873beb7-5857-4685-be1f-d57550cc96cc" xsi:nil="true"/>
+    <NumericId xmlns="4873beb7-5857-4685-be1f-d57550cc96cc" xsi:nil="true"/>
+    <ParentAssetId xmlns="4873beb7-5857-4685-be1f-d57550cc96cc" xsi:nil="true"/>
+    <OriginalSourceMarket xmlns="4873beb7-5857-4685-be1f-d57550cc96cc" xsi:nil="true"/>
+    <ApprovalStatus xmlns="4873beb7-5857-4685-be1f-d57550cc96cc">InProgress</ApprovalStatus>
+    <TPComponent xmlns="4873beb7-5857-4685-be1f-d57550cc96cc" xsi:nil="true"/>
+    <EditorialTags xmlns="4873beb7-5857-4685-be1f-d57550cc96cc" xsi:nil="true"/>
+    <TPExecutable xmlns="4873beb7-5857-4685-be1f-d57550cc96cc" xsi:nil="true"/>
+    <TPLaunchHelpLink xmlns="4873beb7-5857-4685-be1f-d57550cc96cc" xsi:nil="true"/>
+    <LocComments xmlns="4873beb7-5857-4685-be1f-d57550cc96cc" xsi:nil="true"/>
+    <LocRecommendedHandoff xmlns="4873beb7-5857-4685-be1f-d57550cc96cc" xsi:nil="true"/>
+    <SourceTitle xmlns="4873beb7-5857-4685-be1f-d57550cc96cc" xsi:nil="true"/>
+    <CSXUpdate xmlns="4873beb7-5857-4685-be1f-d57550cc96cc">false</CSXUpdate>
+    <IntlLocPriority xmlns="4873beb7-5857-4685-be1f-d57550cc96cc" xsi:nil="true"/>
+    <UAProjectedTotalWords xmlns="4873beb7-5857-4685-be1f-d57550cc96cc" xsi:nil="true"/>
+    <AssetType xmlns="4873beb7-5857-4685-be1f-d57550cc96cc" xsi:nil="true"/>
+    <MachineTranslated xmlns="4873beb7-5857-4685-be1f-d57550cc96cc">false</MachineTranslated>
+    <OutputCachingOn xmlns="4873beb7-5857-4685-be1f-d57550cc96cc">false</OutputCachingOn>
+    <TemplateStatus xmlns="4873beb7-5857-4685-be1f-d57550cc96cc">Complete</TemplateStatus>
+    <IsSearchable xmlns="4873beb7-5857-4685-be1f-d57550cc96cc">false</IsSearchable>
+    <ContentItem xmlns="4873beb7-5857-4685-be1f-d57550cc96cc" xsi:nil="true"/>
+    <HandoffToMSDN xmlns="4873beb7-5857-4685-be1f-d57550cc96cc" xsi:nil="true"/>
+    <ShowIn xmlns="4873beb7-5857-4685-be1f-d57550cc96cc">Show everywhere</ShowIn>
+    <ThumbnailAssetId xmlns="4873beb7-5857-4685-be1f-d57550cc96cc" xsi:nil="true"/>
+    <UALocComments xmlns="4873beb7-5857-4685-be1f-d57550cc96cc" xsi:nil="true"/>
+    <UALocRecommendation xmlns="4873beb7-5857-4685-be1f-d57550cc96cc">Localize</UALocRecommendation>
+    <LastModifiedDateTime xmlns="4873beb7-5857-4685-be1f-d57550cc96cc" xsi:nil="true"/>
+    <LegacyData xmlns="4873beb7-5857-4685-be1f-d57550cc96cc" xsi:nil="true"/>
+    <LocManualTestRequired xmlns="4873beb7-5857-4685-be1f-d57550cc96cc">false</LocManualTestRequired>
+    <LocMarketGroupTiers2 xmlns="4873beb7-5857-4685-be1f-d57550cc96cc" xsi:nil="true"/>
+    <ClipArtFilename xmlns="4873beb7-5857-4685-be1f-d57550cc96cc" xsi:nil="true"/>
+    <TPApplication xmlns="4873beb7-5857-4685-be1f-d57550cc96cc" xsi:nil="true"/>
+    <CSXHash xmlns="4873beb7-5857-4685-be1f-d57550cc96cc" xsi:nil="true"/>
+    <DirectSourceMarket xmlns="4873beb7-5857-4685-be1f-d57550cc96cc" xsi:nil="true"/>
+    <PrimaryImageGen xmlns="4873beb7-5857-4685-be1f-d57550cc96cc">true</PrimaryImageGen>
+    <PlannedPubDate xmlns="4873beb7-5857-4685-be1f-d57550cc96cc" xsi:nil="true"/>
+    <CSXSubmissionMarket xmlns="4873beb7-5857-4685-be1f-d57550cc96cc" xsi:nil="true"/>
+    <Downloads xmlns="4873beb7-5857-4685-be1f-d57550cc96cc">0</Downloads>
+    <ArtSampleDocs xmlns="4873beb7-5857-4685-be1f-d57550cc96cc" xsi:nil="true"/>
+    <TrustLevel xmlns="4873beb7-5857-4685-be1f-d57550cc96cc">1 Microsoft Managed Content</TrustLevel>
+    <BlockPublish xmlns="4873beb7-5857-4685-be1f-d57550cc96cc">false</BlockPublish>
+    <TPLaunchHelpLinkType xmlns="4873beb7-5857-4685-be1f-d57550cc96cc">Template</TPLaunchHelpLinkType>
+    <LocalizationTagsTaxHTField0 xmlns="4873beb7-5857-4685-be1f-d57550cc96cc">
+      <Terms xmlns="http://schemas.microsoft.com/office/infopath/2007/PartnerControls"/>
+    </LocalizationTagsTaxHTField0>
+    <BusinessGroup xmlns="4873beb7-5857-4685-be1f-d57550cc96cc" xsi:nil="true"/>
+    <Providers xmlns="4873beb7-5857-4685-be1f-d57550cc96cc" xsi:nil="true"/>
+    <TemplateTemplateType xmlns="4873beb7-5857-4685-be1f-d57550cc96cc">PowerPoint Presentation Template</TemplateTemplateType>
+    <TimesCloned xmlns="4873beb7-5857-4685-be1f-d57550cc96cc" xsi:nil="true"/>
+    <TPAppVersion xmlns="4873beb7-5857-4685-be1f-d57550cc96cc" xsi:nil="true"/>
+    <VoteCount xmlns="4873beb7-5857-4685-be1f-d57550cc96cc" xsi:nil="true"/>
+    <AverageRating xmlns="4873beb7-5857-4685-be1f-d57550cc96cc" xsi:nil="true"/>
+    <FeatureTagsTaxHTField0 xmlns="4873beb7-5857-4685-be1f-d57550cc96cc">
+      <Terms xmlns="http://schemas.microsoft.com/office/infopath/2007/PartnerControls"/>
+    </FeatureTagsTaxHTField0>
+    <Provider xmlns="4873beb7-5857-4685-be1f-d57550cc96cc" xsi:nil="true"/>
+    <UACurrentWords xmlns="4873beb7-5857-4685-be1f-d57550cc96cc" xsi:nil="true"/>
+    <AssetId xmlns="4873beb7-5857-4685-be1f-d57550cc96cc">TP103460417</AssetId>
+    <TPClientViewer xmlns="4873beb7-5857-4685-be1f-d57550cc96cc" xsi:nil="true"/>
+    <DSATActionTaken xmlns="4873beb7-5857-4685-be1f-d57550cc96cc" xsi:nil="true"/>
+    <APEditor xmlns="4873beb7-5857-4685-be1f-d57550cc96cc">
+      <UserInfo>
+        <DisplayName/>
+        <AccountId xsi:nil="true"/>
+        <AccountType/>
+      </UserInfo>
+    </APEditor>
+    <TPInstallLocation xmlns="4873beb7-5857-4685-be1f-d57550cc96cc" xsi:nil="true"/>
+    <OOCacheId xmlns="4873beb7-5857-4685-be1f-d57550cc96cc" xsi:nil="true"/>
+    <IsDeleted xmlns="4873beb7-5857-4685-be1f-d57550cc96cc">false</IsDeleted>
+    <PublishTargets xmlns="4873beb7-5857-4685-be1f-d57550cc96cc">OfficeOnlineVNext</PublishTargets>
+    <ApprovalLog xmlns="4873beb7-5857-4685-be1f-d57550cc96cc" xsi:nil="true"/>
+    <BugNumber xmlns="4873beb7-5857-4685-be1f-d57550cc96cc" xsi:nil="true"/>
+    <CrawlForDependencies xmlns="4873beb7-5857-4685-be1f-d57550cc96cc">false</CrawlForDependencies>
+    <InternalTagsTaxHTField0 xmlns="4873beb7-5857-4685-be1f-d57550cc96cc">
+      <Terms xmlns="http://schemas.microsoft.com/office/infopath/2007/PartnerControls"/>
+    </InternalTagsTaxHTField0>
+    <LastHandOff xmlns="4873beb7-5857-4685-be1f-d57550cc96cc" xsi:nil="true"/>
+    <Milestone xmlns="4873beb7-5857-4685-be1f-d57550cc96cc" xsi:nil="true"/>
+    <OriginalRelease xmlns="4873beb7-5857-4685-be1f-d57550cc96cc">15</OriginalRelease>
+    <RecommendationsModifier xmlns="4873beb7-5857-4685-be1f-d57550cc96cc" xsi:nil="true"/>
+    <ScenarioTagsTaxHTField0 xmlns="4873beb7-5857-4685-be1f-d57550cc96cc">
+      <Terms xmlns="http://schemas.microsoft.com/office/infopath/2007/PartnerControls"/>
+    </ScenarioTagsTaxHTField0>
+    <UANotes xmlns="4873beb7-5857-4685-be1f-d57550cc96cc" xsi:nil="true"/>
+  </documentManagement>
+</p:properties>
+</file>
+
+<file path=customXml/item3.xml><?xml version="1.0" encoding="utf-8"?>
 <ct:contentTypeSchema xmlns:ct="http://schemas.microsoft.com/office/2006/metadata/contentType" xmlns:ma="http://schemas.microsoft.com/office/2006/metadata/properties/metaAttributes" ct:_="" ma:_="" ma:contentTypeName="TemplateFile" ma:contentTypeID="0x0101006EDDDB5EE6D98C44930B742096920B300400F5B6D36B3EF94B4E9A635CDF2A18F5B8" ma:contentTypeVersion="72" ma:contentTypeDescription="Create a new document." ma:contentTypeScope="" ma:versionID="a23e56308344d904b51738559c3d67c9">
   <xsd:schema xmlns:xsd="http://www.w3.org/2001/XMLSchema" xmlns:xs="http://www.w3.org/2001/XMLSchema" xmlns:p="http://schemas.microsoft.com/office/2006/metadata/properties" xmlns:ns2="4873beb7-5857-4685-be1f-d57550cc96cc" targetNamespace="http://schemas.microsoft.com/office/2006/metadata/properties" ma:root="true" ma:fieldsID="cd0908cc4600e77bf5da051303e00c8d" ns2:_="">
     <xsd:import namespace="4873beb7-5857-4685-be1f-d57550cc96cc"/>
@@ -11414,142 +11549,25 @@
 </ct:contentTypeSchema>
 </file>
 
-<file path=customXml/item2.xml><?xml version="1.0" encoding="utf-8"?>
-<p:properties xmlns:p="http://schemas.microsoft.com/office/2006/metadata/properties" xmlns:xsi="http://www.w3.org/2001/XMLSchema-instance" xmlns:pc="http://schemas.microsoft.com/office/infopath/2007/PartnerControls">
-  <documentManagement>
-    <APDescription xmlns="4873beb7-5857-4685-be1f-d57550cc96cc" xsi:nil="true"/>
-    <AssetExpire xmlns="4873beb7-5857-4685-be1f-d57550cc96cc">2029-01-01T08:00:00+00:00</AssetExpire>
-    <CampaignTagsTaxHTField0 xmlns="4873beb7-5857-4685-be1f-d57550cc96cc">
-      <Terms xmlns="http://schemas.microsoft.com/office/infopath/2007/PartnerControls"/>
-    </CampaignTagsTaxHTField0>
-    <IntlLangReviewDate xmlns="4873beb7-5857-4685-be1f-d57550cc96cc" xsi:nil="true"/>
-    <TPFriendlyName xmlns="4873beb7-5857-4685-be1f-d57550cc96cc" xsi:nil="true"/>
-    <IntlLangReview xmlns="4873beb7-5857-4685-be1f-d57550cc96cc">false</IntlLangReview>
-    <LocLastLocAttemptVersionLookup xmlns="4873beb7-5857-4685-be1f-d57550cc96cc">856783</LocLastLocAttemptVersionLookup>
-    <PolicheckWords xmlns="4873beb7-5857-4685-be1f-d57550cc96cc" xsi:nil="true"/>
-    <SubmitterId xmlns="4873beb7-5857-4685-be1f-d57550cc96cc" xsi:nil="true"/>
-    <AcquiredFrom xmlns="4873beb7-5857-4685-be1f-d57550cc96cc">Internal MS</AcquiredFrom>
-    <EditorialStatus xmlns="4873beb7-5857-4685-be1f-d57550cc96cc">Complete</EditorialStatus>
-    <Markets xmlns="4873beb7-5857-4685-be1f-d57550cc96cc"/>
-    <OriginAsset xmlns="4873beb7-5857-4685-be1f-d57550cc96cc" xsi:nil="true"/>
-    <AssetStart xmlns="4873beb7-5857-4685-be1f-d57550cc96cc">2012-09-20T10:48:20+00:00</AssetStart>
-    <FriendlyTitle xmlns="4873beb7-5857-4685-be1f-d57550cc96cc" xsi:nil="true"/>
-    <MarketSpecific xmlns="4873beb7-5857-4685-be1f-d57550cc96cc">false</MarketSpecific>
-    <TPNamespace xmlns="4873beb7-5857-4685-be1f-d57550cc96cc" xsi:nil="true"/>
-    <PublishStatusLookup xmlns="4873beb7-5857-4685-be1f-d57550cc96cc">
-      <Value>1622871</Value>
-    </PublishStatusLookup>
-    <APAuthor xmlns="4873beb7-5857-4685-be1f-d57550cc96cc">
-      <UserInfo>
-        <DisplayName>REDMOND\v-luannv</DisplayName>
-        <AccountId>92</AccountId>
-        <AccountType/>
-      </UserInfo>
-    </APAuthor>
-    <TPCommandLine xmlns="4873beb7-5857-4685-be1f-d57550cc96cc" xsi:nil="true"/>
-    <IntlLangReviewer xmlns="4873beb7-5857-4685-be1f-d57550cc96cc" xsi:nil="true"/>
-    <OpenTemplate xmlns="4873beb7-5857-4685-be1f-d57550cc96cc">true</OpenTemplate>
-    <CSXSubmissionDate xmlns="4873beb7-5857-4685-be1f-d57550cc96cc" xsi:nil="true"/>
-    <TaxCatchAll xmlns="4873beb7-5857-4685-be1f-d57550cc96cc"/>
-    <Manager xmlns="4873beb7-5857-4685-be1f-d57550cc96cc" xsi:nil="true"/>
-    <NumericId xmlns="4873beb7-5857-4685-be1f-d57550cc96cc" xsi:nil="true"/>
-    <ParentAssetId xmlns="4873beb7-5857-4685-be1f-d57550cc96cc" xsi:nil="true"/>
-    <OriginalSourceMarket xmlns="4873beb7-5857-4685-be1f-d57550cc96cc" xsi:nil="true"/>
-    <ApprovalStatus xmlns="4873beb7-5857-4685-be1f-d57550cc96cc">InProgress</ApprovalStatus>
-    <TPComponent xmlns="4873beb7-5857-4685-be1f-d57550cc96cc" xsi:nil="true"/>
-    <EditorialTags xmlns="4873beb7-5857-4685-be1f-d57550cc96cc" xsi:nil="true"/>
-    <TPExecutable xmlns="4873beb7-5857-4685-be1f-d57550cc96cc" xsi:nil="true"/>
-    <TPLaunchHelpLink xmlns="4873beb7-5857-4685-be1f-d57550cc96cc" xsi:nil="true"/>
-    <LocComments xmlns="4873beb7-5857-4685-be1f-d57550cc96cc" xsi:nil="true"/>
-    <LocRecommendedHandoff xmlns="4873beb7-5857-4685-be1f-d57550cc96cc" xsi:nil="true"/>
-    <SourceTitle xmlns="4873beb7-5857-4685-be1f-d57550cc96cc" xsi:nil="true"/>
-    <CSXUpdate xmlns="4873beb7-5857-4685-be1f-d57550cc96cc">false</CSXUpdate>
-    <IntlLocPriority xmlns="4873beb7-5857-4685-be1f-d57550cc96cc" xsi:nil="true"/>
-    <UAProjectedTotalWords xmlns="4873beb7-5857-4685-be1f-d57550cc96cc" xsi:nil="true"/>
-    <AssetType xmlns="4873beb7-5857-4685-be1f-d57550cc96cc" xsi:nil="true"/>
-    <MachineTranslated xmlns="4873beb7-5857-4685-be1f-d57550cc96cc">false</MachineTranslated>
-    <OutputCachingOn xmlns="4873beb7-5857-4685-be1f-d57550cc96cc">false</OutputCachingOn>
-    <TemplateStatus xmlns="4873beb7-5857-4685-be1f-d57550cc96cc">Complete</TemplateStatus>
-    <IsSearchable xmlns="4873beb7-5857-4685-be1f-d57550cc96cc">false</IsSearchable>
-    <ContentItem xmlns="4873beb7-5857-4685-be1f-d57550cc96cc" xsi:nil="true"/>
-    <HandoffToMSDN xmlns="4873beb7-5857-4685-be1f-d57550cc96cc" xsi:nil="true"/>
-    <ShowIn xmlns="4873beb7-5857-4685-be1f-d57550cc96cc">Show everywhere</ShowIn>
-    <ThumbnailAssetId xmlns="4873beb7-5857-4685-be1f-d57550cc96cc" xsi:nil="true"/>
-    <UALocComments xmlns="4873beb7-5857-4685-be1f-d57550cc96cc" xsi:nil="true"/>
-    <UALocRecommendation xmlns="4873beb7-5857-4685-be1f-d57550cc96cc">Localize</UALocRecommendation>
-    <LastModifiedDateTime xmlns="4873beb7-5857-4685-be1f-d57550cc96cc" xsi:nil="true"/>
-    <LegacyData xmlns="4873beb7-5857-4685-be1f-d57550cc96cc" xsi:nil="true"/>
-    <LocManualTestRequired xmlns="4873beb7-5857-4685-be1f-d57550cc96cc">false</LocManualTestRequired>
-    <LocMarketGroupTiers2 xmlns="4873beb7-5857-4685-be1f-d57550cc96cc" xsi:nil="true"/>
-    <ClipArtFilename xmlns="4873beb7-5857-4685-be1f-d57550cc96cc" xsi:nil="true"/>
-    <TPApplication xmlns="4873beb7-5857-4685-be1f-d57550cc96cc" xsi:nil="true"/>
-    <CSXHash xmlns="4873beb7-5857-4685-be1f-d57550cc96cc" xsi:nil="true"/>
-    <DirectSourceMarket xmlns="4873beb7-5857-4685-be1f-d57550cc96cc" xsi:nil="true"/>
-    <PrimaryImageGen xmlns="4873beb7-5857-4685-be1f-d57550cc96cc">true</PrimaryImageGen>
-    <PlannedPubDate xmlns="4873beb7-5857-4685-be1f-d57550cc96cc" xsi:nil="true"/>
-    <CSXSubmissionMarket xmlns="4873beb7-5857-4685-be1f-d57550cc96cc" xsi:nil="true"/>
-    <Downloads xmlns="4873beb7-5857-4685-be1f-d57550cc96cc">0</Downloads>
-    <ArtSampleDocs xmlns="4873beb7-5857-4685-be1f-d57550cc96cc" xsi:nil="true"/>
-    <TrustLevel xmlns="4873beb7-5857-4685-be1f-d57550cc96cc">1 Microsoft Managed Content</TrustLevel>
-    <BlockPublish xmlns="4873beb7-5857-4685-be1f-d57550cc96cc">false</BlockPublish>
-    <TPLaunchHelpLinkType xmlns="4873beb7-5857-4685-be1f-d57550cc96cc">Template</TPLaunchHelpLinkType>
-    <LocalizationTagsTaxHTField0 xmlns="4873beb7-5857-4685-be1f-d57550cc96cc">
-      <Terms xmlns="http://schemas.microsoft.com/office/infopath/2007/PartnerControls"/>
-    </LocalizationTagsTaxHTField0>
-    <BusinessGroup xmlns="4873beb7-5857-4685-be1f-d57550cc96cc" xsi:nil="true"/>
-    <Providers xmlns="4873beb7-5857-4685-be1f-d57550cc96cc" xsi:nil="true"/>
-    <TemplateTemplateType xmlns="4873beb7-5857-4685-be1f-d57550cc96cc">PowerPoint Presentation Template</TemplateTemplateType>
-    <TimesCloned xmlns="4873beb7-5857-4685-be1f-d57550cc96cc" xsi:nil="true"/>
-    <TPAppVersion xmlns="4873beb7-5857-4685-be1f-d57550cc96cc" xsi:nil="true"/>
-    <VoteCount xmlns="4873beb7-5857-4685-be1f-d57550cc96cc" xsi:nil="true"/>
-    <AverageRating xmlns="4873beb7-5857-4685-be1f-d57550cc96cc" xsi:nil="true"/>
-    <FeatureTagsTaxHTField0 xmlns="4873beb7-5857-4685-be1f-d57550cc96cc">
-      <Terms xmlns="http://schemas.microsoft.com/office/infopath/2007/PartnerControls"/>
-    </FeatureTagsTaxHTField0>
-    <Provider xmlns="4873beb7-5857-4685-be1f-d57550cc96cc" xsi:nil="true"/>
-    <UACurrentWords xmlns="4873beb7-5857-4685-be1f-d57550cc96cc" xsi:nil="true"/>
-    <AssetId xmlns="4873beb7-5857-4685-be1f-d57550cc96cc">TP103460417</AssetId>
-    <TPClientViewer xmlns="4873beb7-5857-4685-be1f-d57550cc96cc" xsi:nil="true"/>
-    <DSATActionTaken xmlns="4873beb7-5857-4685-be1f-d57550cc96cc" xsi:nil="true"/>
-    <APEditor xmlns="4873beb7-5857-4685-be1f-d57550cc96cc">
-      <UserInfo>
-        <DisplayName/>
-        <AccountId xsi:nil="true"/>
-        <AccountType/>
-      </UserInfo>
-    </APEditor>
-    <TPInstallLocation xmlns="4873beb7-5857-4685-be1f-d57550cc96cc" xsi:nil="true"/>
-    <OOCacheId xmlns="4873beb7-5857-4685-be1f-d57550cc96cc" xsi:nil="true"/>
-    <IsDeleted xmlns="4873beb7-5857-4685-be1f-d57550cc96cc">false</IsDeleted>
-    <PublishTargets xmlns="4873beb7-5857-4685-be1f-d57550cc96cc">OfficeOnlineVNext</PublishTargets>
-    <ApprovalLog xmlns="4873beb7-5857-4685-be1f-d57550cc96cc" xsi:nil="true"/>
-    <BugNumber xmlns="4873beb7-5857-4685-be1f-d57550cc96cc" xsi:nil="true"/>
-    <CrawlForDependencies xmlns="4873beb7-5857-4685-be1f-d57550cc96cc">false</CrawlForDependencies>
-    <InternalTagsTaxHTField0 xmlns="4873beb7-5857-4685-be1f-d57550cc96cc">
-      <Terms xmlns="http://schemas.microsoft.com/office/infopath/2007/PartnerControls"/>
-    </InternalTagsTaxHTField0>
-    <LastHandOff xmlns="4873beb7-5857-4685-be1f-d57550cc96cc" xsi:nil="true"/>
-    <Milestone xmlns="4873beb7-5857-4685-be1f-d57550cc96cc" xsi:nil="true"/>
-    <OriginalRelease xmlns="4873beb7-5857-4685-be1f-d57550cc96cc">15</OriginalRelease>
-    <RecommendationsModifier xmlns="4873beb7-5857-4685-be1f-d57550cc96cc" xsi:nil="true"/>
-    <ScenarioTagsTaxHTField0 xmlns="4873beb7-5857-4685-be1f-d57550cc96cc">
-      <Terms xmlns="http://schemas.microsoft.com/office/infopath/2007/PartnerControls"/>
-    </ScenarioTagsTaxHTField0>
-    <UANotes xmlns="4873beb7-5857-4685-be1f-d57550cc96cc" xsi:nil="true"/>
-  </documentManagement>
-</p:properties>
+<file path=customXml/itemProps1.xml><?xml version="1.0" encoding="utf-8"?>
+<ds:datastoreItem xmlns:ds="http://schemas.openxmlformats.org/officeDocument/2006/customXml" ds:itemID="{100AC149-8447-4BE5-88C7-DBE24EA73E83}">
+  <ds:schemaRefs>
+    <ds:schemaRef ds:uri="http://schemas.microsoft.com/sharepoint/v3/contenttype/forms"/>
+  </ds:schemaRefs>
+</ds:datastoreItem>
 </file>
 
-<file path=customXml/item3.xml><?xml version="1.0" encoding="utf-8"?>
-<?mso-contentType ?>
-<FormTemplates xmlns="http://schemas.microsoft.com/sharepoint/v3/contenttype/forms">
-  <Display>DocumentLibraryForm</Display>
-  <Edit>AssetEditForm</Edit>
-  <New>DocumentLibraryForm</New>
-</FormTemplates>
+<file path=customXml/itemProps2.xml><?xml version="1.0" encoding="utf-8"?>
+<ds:datastoreItem xmlns:ds="http://schemas.openxmlformats.org/officeDocument/2006/customXml" ds:itemID="{D0D1C9B0-FE26-433B-8E1A-54CCDFA4EB1D}">
+  <ds:schemaRefs>
+    <ds:schemaRef ds:uri="http://schemas.microsoft.com/office/2006/metadata/properties"/>
+    <ds:schemaRef ds:uri="http://schemas.microsoft.com/office/infopath/2007/PartnerControls"/>
+    <ds:schemaRef ds:uri="4873beb7-5857-4685-be1f-d57550cc96cc"/>
+  </ds:schemaRefs>
+</ds:datastoreItem>
 </file>
 
-<file path=customXml/itemProps1.xml><?xml version="1.0" encoding="utf-8"?>
+<file path=customXml/itemProps3.xml><?xml version="1.0" encoding="utf-8"?>
 <ds:datastoreItem xmlns:ds="http://schemas.openxmlformats.org/officeDocument/2006/customXml" ds:itemID="{79EEAAAD-F811-4325-83A2-D14EDE05FBFF}">
   <ds:schemaRefs>
     <ds:schemaRef ds:uri="http://schemas.microsoft.com/office/2006/metadata/contentType"/>
@@ -11565,22 +11583,4 @@
     <ds:schemaRef ds:uri="http://schemas.microsoft.com/internal/obd"/>
   </ds:schemaRefs>
 </ds:datastoreItem>
-</file>
-
-<file path=customXml/itemProps2.xml><?xml version="1.0" encoding="utf-8"?>
-<ds:datastoreItem xmlns:ds="http://schemas.openxmlformats.org/officeDocument/2006/customXml" ds:itemID="{D0D1C9B0-FE26-433B-8E1A-54CCDFA4EB1D}">
-  <ds:schemaRefs>
-    <ds:schemaRef ds:uri="http://schemas.microsoft.com/office/2006/metadata/properties"/>
-    <ds:schemaRef ds:uri="http://schemas.microsoft.com/office/infopath/2007/PartnerControls"/>
-    <ds:schemaRef ds:uri="4873beb7-5857-4685-be1f-d57550cc96cc"/>
-  </ds:schemaRefs>
-</ds:datastoreItem>
-</file>
-
-<file path=customXml/itemProps3.xml><?xml version="1.0" encoding="utf-8"?>
-<ds:datastoreItem xmlns:ds="http://schemas.openxmlformats.org/officeDocument/2006/customXml" ds:itemID="{100AC149-8447-4BE5-88C7-DBE24EA73E83}">
-  <ds:schemaRefs>
-    <ds:schemaRef ds:uri="http://schemas.microsoft.com/sharepoint/v3/contenttype/forms"/>
-  </ds:schemaRefs>
-</ds:datastoreItem>
 </file>
--- a/Politik/Pflegeversicherung.pptx
+++ b/Politik/Pflegeversicherung.pptx
@@ -283,7 +283,7 @@
             <a:pPr rtl="0"/>
             <a:fld id="{A9B61BEE-A6B4-49DE-8859-2A55F155C514}" type="slidenum">
               <a:rPr lang="de-DE" smtClean="0"/>
-              <a:t>‹Nr.›</a:t>
+              <a:t>‹#›</a:t>
             </a:fld>
             <a:endParaRPr lang="de-DE"/>
           </a:p>
@@ -546,7 +546,7 @@
             <a:pPr rtl="0"/>
             <a:fld id="{96E6A182-AF03-4CC8-94DC-C0726DF52A64}" type="slidenum">
               <a:rPr lang="de-DE" noProof="0" smtClean="0"/>
-              <a:t>‹Nr.›</a:t>
+              <a:t>‹#›</a:t>
             </a:fld>
             <a:endParaRPr lang="de-DE" noProof="0"/>
           </a:p>
@@ -907,7 +907,7 @@
             <a:pPr rtl="0"/>
             <a:fld id="{401CF334-2D5C-4859-84A6-CA7E6E43FAEB}" type="slidenum">
               <a:rPr lang="de-DE" noProof="0" smtClean="0"/>
-              <a:t>‹Nr.›</a:t>
+              <a:t>‹#›</a:t>
             </a:fld>
             <a:endParaRPr lang="de-DE" noProof="0"/>
           </a:p>
@@ -1136,7 +1136,7 @@
             <a:pPr rtl="0"/>
             <a:fld id="{401CF334-2D5C-4859-84A6-CA7E6E43FAEB}" type="slidenum">
               <a:rPr lang="de-DE" noProof="0" smtClean="0"/>
-              <a:t>‹Nr.›</a:t>
+              <a:t>‹#›</a:t>
             </a:fld>
             <a:endParaRPr lang="de-DE" noProof="0"/>
           </a:p>
@@ -1322,7 +1322,7 @@
             <a:pPr rtl="0"/>
             <a:fld id="{401CF334-2D5C-4859-84A6-CA7E6E43FAEB}" type="slidenum">
               <a:rPr lang="de-DE" noProof="0" smtClean="0"/>
-              <a:t>‹Nr.›</a:t>
+              <a:t>‹#›</a:t>
             </a:fld>
             <a:endParaRPr lang="de-DE" noProof="0"/>
           </a:p>
@@ -1517,7 +1517,7 @@
             <a:pPr rtl="0"/>
             <a:fld id="{401CF334-2D5C-4859-84A6-CA7E6E43FAEB}" type="slidenum">
               <a:rPr lang="de-DE" noProof="0" smtClean="0"/>
-              <a:t>‹Nr.›</a:t>
+              <a:t>‹#›</a:t>
             </a:fld>
             <a:endParaRPr lang="de-DE" noProof="0"/>
           </a:p>
@@ -1707,7 +1707,7 @@
             <a:pPr rtl="0"/>
             <a:fld id="{401CF334-2D5C-4859-84A6-CA7E6E43FAEB}" type="slidenum">
               <a:rPr lang="de-DE" noProof="0" smtClean="0"/>
-              <a:t>‹Nr.›</a:t>
+              <a:t>‹#›</a:t>
             </a:fld>
             <a:endParaRPr lang="de-DE" noProof="0"/>
           </a:p>
@@ -1956,7 +1956,7 @@
             <a:pPr rtl="0"/>
             <a:fld id="{401CF334-2D5C-4859-84A6-CA7E6E43FAEB}" type="slidenum">
               <a:rPr lang="de-DE" noProof="0" smtClean="0"/>
-              <a:t>‹Nr.›</a:t>
+              <a:t>‹#›</a:t>
             </a:fld>
             <a:endParaRPr lang="de-DE" noProof="0"/>
           </a:p>
@@ -2235,7 +2235,7 @@
             <a:pPr rtl="0"/>
             <a:fld id="{401CF334-2D5C-4859-84A6-CA7E6E43FAEB}" type="slidenum">
               <a:rPr lang="de-DE" noProof="0" smtClean="0"/>
-              <a:t>‹Nr.›</a:t>
+              <a:t>‹#›</a:t>
             </a:fld>
             <a:endParaRPr lang="de-DE" noProof="0"/>
           </a:p>
@@ -2629,7 +2629,7 @@
             <a:pPr rtl="0"/>
             <a:fld id="{401CF334-2D5C-4859-84A6-CA7E6E43FAEB}" type="slidenum">
               <a:rPr lang="de-DE" noProof="0" smtClean="0"/>
-              <a:t>‹Nr.›</a:t>
+              <a:t>‹#›</a:t>
             </a:fld>
             <a:endParaRPr lang="de-DE" noProof="0"/>
           </a:p>
@@ -2762,7 +2762,7 @@
             <a:pPr rtl="0"/>
             <a:fld id="{401CF334-2D5C-4859-84A6-CA7E6E43FAEB}" type="slidenum">
               <a:rPr lang="de-DE" noProof="0" smtClean="0"/>
-              <a:t>‹Nr.›</a:t>
+              <a:t>‹#›</a:t>
             </a:fld>
             <a:endParaRPr lang="de-DE" noProof="0"/>
           </a:p>
@@ -2872,7 +2872,7 @@
             <a:pPr rtl="0"/>
             <a:fld id="{401CF334-2D5C-4859-84A6-CA7E6E43FAEB}" type="slidenum">
               <a:rPr lang="de-DE" noProof="0" smtClean="0"/>
-              <a:t>‹Nr.›</a:t>
+              <a:t>‹#›</a:t>
             </a:fld>
             <a:endParaRPr lang="de-DE" noProof="0"/>
           </a:p>
@@ -3155,7 +3155,7 @@
             <a:pPr rtl="0"/>
             <a:fld id="{401CF334-2D5C-4859-84A6-CA7E6E43FAEB}" type="slidenum">
               <a:rPr lang="de-DE" noProof="0" smtClean="0"/>
-              <a:t>‹Nr.›</a:t>
+              <a:t>‹#›</a:t>
             </a:fld>
             <a:endParaRPr lang="de-DE" noProof="0"/>
           </a:p>
@@ -3502,7 +3502,7 @@
             <a:pPr rtl="0"/>
             <a:fld id="{401CF334-2D5C-4859-84A6-CA7E6E43FAEB}" type="slidenum">
               <a:rPr lang="de-DE" noProof="0" smtClean="0"/>
-              <a:t>‹Nr.›</a:t>
+              <a:t>‹#›</a:t>
             </a:fld>
             <a:endParaRPr lang="de-DE" noProof="0" dirty="0"/>
           </a:p>
@@ -8574,7 +8574,7 @@
             <a:pPr rtl="0"/>
             <a:r>
               <a:rPr lang="de-DE" dirty="0"/>
-              <a:t>Inhaltsverzeichnis</a:t>
+              <a:t>Allgemeine Informationen</a:t>
             </a:r>
           </a:p>
         </p:txBody>
@@ -8781,7 +8781,7 @@
           <a:p>
             <a:r>
               <a:rPr lang="de-DE" dirty="0"/>
-              <a:t>Geschichte</a:t>
+              <a:t>Allgemeine Informationen</a:t>
             </a:r>
           </a:p>
         </p:txBody>
@@ -10375,141 +10375,6 @@
 </file>
 
 <file path=customXml/item1.xml><?xml version="1.0" encoding="utf-8"?>
-<?mso-contentType ?>
-<FormTemplates xmlns="http://schemas.microsoft.com/sharepoint/v3/contenttype/forms">
-  <Display>DocumentLibraryForm</Display>
-  <Edit>AssetEditForm</Edit>
-  <New>DocumentLibraryForm</New>
-</FormTemplates>
-</file>
-
-<file path=customXml/item2.xml><?xml version="1.0" encoding="utf-8"?>
-<p:properties xmlns:p="http://schemas.microsoft.com/office/2006/metadata/properties" xmlns:xsi="http://www.w3.org/2001/XMLSchema-instance" xmlns:pc="http://schemas.microsoft.com/office/infopath/2007/PartnerControls">
-  <documentManagement>
-    <APDescription xmlns="4873beb7-5857-4685-be1f-d57550cc96cc" xsi:nil="true"/>
-    <AssetExpire xmlns="4873beb7-5857-4685-be1f-d57550cc96cc">2029-01-01T08:00:00+00:00</AssetExpire>
-    <CampaignTagsTaxHTField0 xmlns="4873beb7-5857-4685-be1f-d57550cc96cc">
-      <Terms xmlns="http://schemas.microsoft.com/office/infopath/2007/PartnerControls"/>
-    </CampaignTagsTaxHTField0>
-    <IntlLangReviewDate xmlns="4873beb7-5857-4685-be1f-d57550cc96cc" xsi:nil="true"/>
-    <TPFriendlyName xmlns="4873beb7-5857-4685-be1f-d57550cc96cc" xsi:nil="true"/>
-    <IntlLangReview xmlns="4873beb7-5857-4685-be1f-d57550cc96cc">false</IntlLangReview>
-    <LocLastLocAttemptVersionLookup xmlns="4873beb7-5857-4685-be1f-d57550cc96cc">856783</LocLastLocAttemptVersionLookup>
-    <PolicheckWords xmlns="4873beb7-5857-4685-be1f-d57550cc96cc" xsi:nil="true"/>
-    <SubmitterId xmlns="4873beb7-5857-4685-be1f-d57550cc96cc" xsi:nil="true"/>
-    <AcquiredFrom xmlns="4873beb7-5857-4685-be1f-d57550cc96cc">Internal MS</AcquiredFrom>
-    <EditorialStatus xmlns="4873beb7-5857-4685-be1f-d57550cc96cc">Complete</EditorialStatus>
-    <Markets xmlns="4873beb7-5857-4685-be1f-d57550cc96cc"/>
-    <OriginAsset xmlns="4873beb7-5857-4685-be1f-d57550cc96cc" xsi:nil="true"/>
-    <AssetStart xmlns="4873beb7-5857-4685-be1f-d57550cc96cc">2012-09-20T10:48:20+00:00</AssetStart>
-    <FriendlyTitle xmlns="4873beb7-5857-4685-be1f-d57550cc96cc" xsi:nil="true"/>
-    <MarketSpecific xmlns="4873beb7-5857-4685-be1f-d57550cc96cc">false</MarketSpecific>
-    <TPNamespace xmlns="4873beb7-5857-4685-be1f-d57550cc96cc" xsi:nil="true"/>
-    <PublishStatusLookup xmlns="4873beb7-5857-4685-be1f-d57550cc96cc">
-      <Value>1622871</Value>
-    </PublishStatusLookup>
-    <APAuthor xmlns="4873beb7-5857-4685-be1f-d57550cc96cc">
-      <UserInfo>
-        <DisplayName>REDMOND\v-luannv</DisplayName>
-        <AccountId>92</AccountId>
-        <AccountType/>
-      </UserInfo>
-    </APAuthor>
-    <TPCommandLine xmlns="4873beb7-5857-4685-be1f-d57550cc96cc" xsi:nil="true"/>
-    <IntlLangReviewer xmlns="4873beb7-5857-4685-be1f-d57550cc96cc" xsi:nil="true"/>
-    <OpenTemplate xmlns="4873beb7-5857-4685-be1f-d57550cc96cc">true</OpenTemplate>
-    <CSXSubmissionDate xmlns="4873beb7-5857-4685-be1f-d57550cc96cc" xsi:nil="true"/>
-    <TaxCatchAll xmlns="4873beb7-5857-4685-be1f-d57550cc96cc"/>
-    <Manager xmlns="4873beb7-5857-4685-be1f-d57550cc96cc" xsi:nil="true"/>
-    <NumericId xmlns="4873beb7-5857-4685-be1f-d57550cc96cc" xsi:nil="true"/>
-    <ParentAssetId xmlns="4873beb7-5857-4685-be1f-d57550cc96cc" xsi:nil="true"/>
-    <OriginalSourceMarket xmlns="4873beb7-5857-4685-be1f-d57550cc96cc" xsi:nil="true"/>
-    <ApprovalStatus xmlns="4873beb7-5857-4685-be1f-d57550cc96cc">InProgress</ApprovalStatus>
-    <TPComponent xmlns="4873beb7-5857-4685-be1f-d57550cc96cc" xsi:nil="true"/>
-    <EditorialTags xmlns="4873beb7-5857-4685-be1f-d57550cc96cc" xsi:nil="true"/>
-    <TPExecutable xmlns="4873beb7-5857-4685-be1f-d57550cc96cc" xsi:nil="true"/>
-    <TPLaunchHelpLink xmlns="4873beb7-5857-4685-be1f-d57550cc96cc" xsi:nil="true"/>
-    <LocComments xmlns="4873beb7-5857-4685-be1f-d57550cc96cc" xsi:nil="true"/>
-    <LocRecommendedHandoff xmlns="4873beb7-5857-4685-be1f-d57550cc96cc" xsi:nil="true"/>
-    <SourceTitle xmlns="4873beb7-5857-4685-be1f-d57550cc96cc" xsi:nil="true"/>
-    <CSXUpdate xmlns="4873beb7-5857-4685-be1f-d57550cc96cc">false</CSXUpdate>
-    <IntlLocPriority xmlns="4873beb7-5857-4685-be1f-d57550cc96cc" xsi:nil="true"/>
-    <UAProjectedTotalWords xmlns="4873beb7-5857-4685-be1f-d57550cc96cc" xsi:nil="true"/>
-    <AssetType xmlns="4873beb7-5857-4685-be1f-d57550cc96cc" xsi:nil="true"/>
-    <MachineTranslated xmlns="4873beb7-5857-4685-be1f-d57550cc96cc">false</MachineTranslated>
-    <OutputCachingOn xmlns="4873beb7-5857-4685-be1f-d57550cc96cc">false</OutputCachingOn>
-    <TemplateStatus xmlns="4873beb7-5857-4685-be1f-d57550cc96cc">Complete</TemplateStatus>
-    <IsSearchable xmlns="4873beb7-5857-4685-be1f-d57550cc96cc">false</IsSearchable>
-    <ContentItem xmlns="4873beb7-5857-4685-be1f-d57550cc96cc" xsi:nil="true"/>
-    <HandoffToMSDN xmlns="4873beb7-5857-4685-be1f-d57550cc96cc" xsi:nil="true"/>
-    <ShowIn xmlns="4873beb7-5857-4685-be1f-d57550cc96cc">Show everywhere</ShowIn>
-    <ThumbnailAssetId xmlns="4873beb7-5857-4685-be1f-d57550cc96cc" xsi:nil="true"/>
-    <UALocComments xmlns="4873beb7-5857-4685-be1f-d57550cc96cc" xsi:nil="true"/>
-    <UALocRecommendation xmlns="4873beb7-5857-4685-be1f-d57550cc96cc">Localize</UALocRecommendation>
-    <LastModifiedDateTime xmlns="4873beb7-5857-4685-be1f-d57550cc96cc" xsi:nil="true"/>
-    <LegacyData xmlns="4873beb7-5857-4685-be1f-d57550cc96cc" xsi:nil="true"/>
-    <LocManualTestRequired xmlns="4873beb7-5857-4685-be1f-d57550cc96cc">false</LocManualTestRequired>
-    <LocMarketGroupTiers2 xmlns="4873beb7-5857-4685-be1f-d57550cc96cc" xsi:nil="true"/>
-    <ClipArtFilename xmlns="4873beb7-5857-4685-be1f-d57550cc96cc" xsi:nil="true"/>
-    <TPApplication xmlns="4873beb7-5857-4685-be1f-d57550cc96cc" xsi:nil="true"/>
-    <CSXHash xmlns="4873beb7-5857-4685-be1f-d57550cc96cc" xsi:nil="true"/>
-    <DirectSourceMarket xmlns="4873beb7-5857-4685-be1f-d57550cc96cc" xsi:nil="true"/>
-    <PrimaryImageGen xmlns="4873beb7-5857-4685-be1f-d57550cc96cc">true</PrimaryImageGen>
-    <PlannedPubDate xmlns="4873beb7-5857-4685-be1f-d57550cc96cc" xsi:nil="true"/>
-    <CSXSubmissionMarket xmlns="4873beb7-5857-4685-be1f-d57550cc96cc" xsi:nil="true"/>
-    <Downloads xmlns="4873beb7-5857-4685-be1f-d57550cc96cc">0</Downloads>
-    <ArtSampleDocs xmlns="4873beb7-5857-4685-be1f-d57550cc96cc" xsi:nil="true"/>
-    <TrustLevel xmlns="4873beb7-5857-4685-be1f-d57550cc96cc">1 Microsoft Managed Content</TrustLevel>
-    <BlockPublish xmlns="4873beb7-5857-4685-be1f-d57550cc96cc">false</BlockPublish>
-    <TPLaunchHelpLinkType xmlns="4873beb7-5857-4685-be1f-d57550cc96cc">Template</TPLaunchHelpLinkType>
-    <LocalizationTagsTaxHTField0 xmlns="4873beb7-5857-4685-be1f-d57550cc96cc">
-      <Terms xmlns="http://schemas.microsoft.com/office/infopath/2007/PartnerControls"/>
-    </LocalizationTagsTaxHTField0>
-    <BusinessGroup xmlns="4873beb7-5857-4685-be1f-d57550cc96cc" xsi:nil="true"/>
-    <Providers xmlns="4873beb7-5857-4685-be1f-d57550cc96cc" xsi:nil="true"/>
-    <TemplateTemplateType xmlns="4873beb7-5857-4685-be1f-d57550cc96cc">PowerPoint Presentation Template</TemplateTemplateType>
-    <TimesCloned xmlns="4873beb7-5857-4685-be1f-d57550cc96cc" xsi:nil="true"/>
-    <TPAppVersion xmlns="4873beb7-5857-4685-be1f-d57550cc96cc" xsi:nil="true"/>
-    <VoteCount xmlns="4873beb7-5857-4685-be1f-d57550cc96cc" xsi:nil="true"/>
-    <AverageRating xmlns="4873beb7-5857-4685-be1f-d57550cc96cc" xsi:nil="true"/>
-    <FeatureTagsTaxHTField0 xmlns="4873beb7-5857-4685-be1f-d57550cc96cc">
-      <Terms xmlns="http://schemas.microsoft.com/office/infopath/2007/PartnerControls"/>
-    </FeatureTagsTaxHTField0>
-    <Provider xmlns="4873beb7-5857-4685-be1f-d57550cc96cc" xsi:nil="true"/>
-    <UACurrentWords xmlns="4873beb7-5857-4685-be1f-d57550cc96cc" xsi:nil="true"/>
-    <AssetId xmlns="4873beb7-5857-4685-be1f-d57550cc96cc">TP103460417</AssetId>
-    <TPClientViewer xmlns="4873beb7-5857-4685-be1f-d57550cc96cc" xsi:nil="true"/>
-    <DSATActionTaken xmlns="4873beb7-5857-4685-be1f-d57550cc96cc" xsi:nil="true"/>
-    <APEditor xmlns="4873beb7-5857-4685-be1f-d57550cc96cc">
-      <UserInfo>
-        <DisplayName/>
-        <AccountId xsi:nil="true"/>
-        <AccountType/>
-      </UserInfo>
-    </APEditor>
-    <TPInstallLocation xmlns="4873beb7-5857-4685-be1f-d57550cc96cc" xsi:nil="true"/>
-    <OOCacheId xmlns="4873beb7-5857-4685-be1f-d57550cc96cc" xsi:nil="true"/>
-    <IsDeleted xmlns="4873beb7-5857-4685-be1f-d57550cc96cc">false</IsDeleted>
-    <PublishTargets xmlns="4873beb7-5857-4685-be1f-d57550cc96cc">OfficeOnlineVNext</PublishTargets>
-    <ApprovalLog xmlns="4873beb7-5857-4685-be1f-d57550cc96cc" xsi:nil="true"/>
-    <BugNumber xmlns="4873beb7-5857-4685-be1f-d57550cc96cc" xsi:nil="true"/>
-    <CrawlForDependencies xmlns="4873beb7-5857-4685-be1f-d57550cc96cc">false</CrawlForDependencies>
-    <InternalTagsTaxHTField0 xmlns="4873beb7-5857-4685-be1f-d57550cc96cc">
-      <Terms xmlns="http://schemas.microsoft.com/office/infopath/2007/PartnerControls"/>
-    </InternalTagsTaxHTField0>
-    <LastHandOff xmlns="4873beb7-5857-4685-be1f-d57550cc96cc" xsi:nil="true"/>
-    <Milestone xmlns="4873beb7-5857-4685-be1f-d57550cc96cc" xsi:nil="true"/>
-    <OriginalRelease xmlns="4873beb7-5857-4685-be1f-d57550cc96cc">15</OriginalRelease>
-    <RecommendationsModifier xmlns="4873beb7-5857-4685-be1f-d57550cc96cc" xsi:nil="true"/>
-    <ScenarioTagsTaxHTField0 xmlns="4873beb7-5857-4685-be1f-d57550cc96cc">
-      <Terms xmlns="http://schemas.microsoft.com/office/infopath/2007/PartnerControls"/>
-    </ScenarioTagsTaxHTField0>
-    <UANotes xmlns="4873beb7-5857-4685-be1f-d57550cc96cc" xsi:nil="true"/>
-  </documentManagement>
-</p:properties>
-</file>
-
-<file path=customXml/item3.xml><?xml version="1.0" encoding="utf-8"?>
 <ct:contentTypeSchema xmlns:ct="http://schemas.microsoft.com/office/2006/metadata/contentType" xmlns:ma="http://schemas.microsoft.com/office/2006/metadata/properties/metaAttributes" ct:_="" ma:_="" ma:contentTypeName="TemplateFile" ma:contentTypeID="0x0101006EDDDB5EE6D98C44930B742096920B300400F5B6D36B3EF94B4E9A635CDF2A18F5B8" ma:contentTypeVersion="72" ma:contentTypeDescription="Create a new document." ma:contentTypeScope="" ma:versionID="a23e56308344d904b51738559c3d67c9">
   <xsd:schema xmlns:xsd="http://www.w3.org/2001/XMLSchema" xmlns:xs="http://www.w3.org/2001/XMLSchema" xmlns:p="http://schemas.microsoft.com/office/2006/metadata/properties" xmlns:ns2="4873beb7-5857-4685-be1f-d57550cc96cc" targetNamespace="http://schemas.microsoft.com/office/2006/metadata/properties" ma:root="true" ma:fieldsID="cd0908cc4600e77bf5da051303e00c8d" ns2:_="">
     <xsd:import namespace="4873beb7-5857-4685-be1f-d57550cc96cc"/>
@@ -11549,10 +11414,155 @@
 </ct:contentTypeSchema>
 </file>
 
+<file path=customXml/item2.xml><?xml version="1.0" encoding="utf-8"?>
+<p:properties xmlns:p="http://schemas.microsoft.com/office/2006/metadata/properties" xmlns:xsi="http://www.w3.org/2001/XMLSchema-instance" xmlns:pc="http://schemas.microsoft.com/office/infopath/2007/PartnerControls">
+  <documentManagement>
+    <APDescription xmlns="4873beb7-5857-4685-be1f-d57550cc96cc" xsi:nil="true"/>
+    <AssetExpire xmlns="4873beb7-5857-4685-be1f-d57550cc96cc">2029-01-01T08:00:00+00:00</AssetExpire>
+    <CampaignTagsTaxHTField0 xmlns="4873beb7-5857-4685-be1f-d57550cc96cc">
+      <Terms xmlns="http://schemas.microsoft.com/office/infopath/2007/PartnerControls"/>
+    </CampaignTagsTaxHTField0>
+    <IntlLangReviewDate xmlns="4873beb7-5857-4685-be1f-d57550cc96cc" xsi:nil="true"/>
+    <TPFriendlyName xmlns="4873beb7-5857-4685-be1f-d57550cc96cc" xsi:nil="true"/>
+    <IntlLangReview xmlns="4873beb7-5857-4685-be1f-d57550cc96cc">false</IntlLangReview>
+    <LocLastLocAttemptVersionLookup xmlns="4873beb7-5857-4685-be1f-d57550cc96cc">856783</LocLastLocAttemptVersionLookup>
+    <PolicheckWords xmlns="4873beb7-5857-4685-be1f-d57550cc96cc" xsi:nil="true"/>
+    <SubmitterId xmlns="4873beb7-5857-4685-be1f-d57550cc96cc" xsi:nil="true"/>
+    <AcquiredFrom xmlns="4873beb7-5857-4685-be1f-d57550cc96cc">Internal MS</AcquiredFrom>
+    <EditorialStatus xmlns="4873beb7-5857-4685-be1f-d57550cc96cc">Complete</EditorialStatus>
+    <Markets xmlns="4873beb7-5857-4685-be1f-d57550cc96cc"/>
+    <OriginAsset xmlns="4873beb7-5857-4685-be1f-d57550cc96cc" xsi:nil="true"/>
+    <AssetStart xmlns="4873beb7-5857-4685-be1f-d57550cc96cc">2012-09-20T10:48:20+00:00</AssetStart>
+    <FriendlyTitle xmlns="4873beb7-5857-4685-be1f-d57550cc96cc" xsi:nil="true"/>
+    <MarketSpecific xmlns="4873beb7-5857-4685-be1f-d57550cc96cc">false</MarketSpecific>
+    <TPNamespace xmlns="4873beb7-5857-4685-be1f-d57550cc96cc" xsi:nil="true"/>
+    <PublishStatusLookup xmlns="4873beb7-5857-4685-be1f-d57550cc96cc">
+      <Value>1622871</Value>
+    </PublishStatusLookup>
+    <APAuthor xmlns="4873beb7-5857-4685-be1f-d57550cc96cc">
+      <UserInfo>
+        <DisplayName>REDMOND\v-luannv</DisplayName>
+        <AccountId>92</AccountId>
+        <AccountType/>
+      </UserInfo>
+    </APAuthor>
+    <TPCommandLine xmlns="4873beb7-5857-4685-be1f-d57550cc96cc" xsi:nil="true"/>
+    <IntlLangReviewer xmlns="4873beb7-5857-4685-be1f-d57550cc96cc" xsi:nil="true"/>
+    <OpenTemplate xmlns="4873beb7-5857-4685-be1f-d57550cc96cc">true</OpenTemplate>
+    <CSXSubmissionDate xmlns="4873beb7-5857-4685-be1f-d57550cc96cc" xsi:nil="true"/>
+    <TaxCatchAll xmlns="4873beb7-5857-4685-be1f-d57550cc96cc"/>
+    <Manager xmlns="4873beb7-5857-4685-be1f-d57550cc96cc" xsi:nil="true"/>
+    <NumericId xmlns="4873beb7-5857-4685-be1f-d57550cc96cc" xsi:nil="true"/>
+    <ParentAssetId xmlns="4873beb7-5857-4685-be1f-d57550cc96cc" xsi:nil="true"/>
+    <OriginalSourceMarket xmlns="4873beb7-5857-4685-be1f-d57550cc96cc" xsi:nil="true"/>
+    <ApprovalStatus xmlns="4873beb7-5857-4685-be1f-d57550cc96cc">InProgress</ApprovalStatus>
+    <TPComponent xmlns="4873beb7-5857-4685-be1f-d57550cc96cc" xsi:nil="true"/>
+    <EditorialTags xmlns="4873beb7-5857-4685-be1f-d57550cc96cc" xsi:nil="true"/>
+    <TPExecutable xmlns="4873beb7-5857-4685-be1f-d57550cc96cc" xsi:nil="true"/>
+    <TPLaunchHelpLink xmlns="4873beb7-5857-4685-be1f-d57550cc96cc" xsi:nil="true"/>
+    <LocComments xmlns="4873beb7-5857-4685-be1f-d57550cc96cc" xsi:nil="true"/>
+    <LocRecommendedHandoff xmlns="4873beb7-5857-4685-be1f-d57550cc96cc" xsi:nil="true"/>
+    <SourceTitle xmlns="4873beb7-5857-4685-be1f-d57550cc96cc" xsi:nil="true"/>
+    <CSXUpdate xmlns="4873beb7-5857-4685-be1f-d57550cc96cc">false</CSXUpdate>
+    <IntlLocPriority xmlns="4873beb7-5857-4685-be1f-d57550cc96cc" xsi:nil="true"/>
+    <UAProjectedTotalWords xmlns="4873beb7-5857-4685-be1f-d57550cc96cc" xsi:nil="true"/>
+    <AssetType xmlns="4873beb7-5857-4685-be1f-d57550cc96cc" xsi:nil="true"/>
+    <MachineTranslated xmlns="4873beb7-5857-4685-be1f-d57550cc96cc">false</MachineTranslated>
+    <OutputCachingOn xmlns="4873beb7-5857-4685-be1f-d57550cc96cc">false</OutputCachingOn>
+    <TemplateStatus xmlns="4873beb7-5857-4685-be1f-d57550cc96cc">Complete</TemplateStatus>
+    <IsSearchable xmlns="4873beb7-5857-4685-be1f-d57550cc96cc">false</IsSearchable>
+    <ContentItem xmlns="4873beb7-5857-4685-be1f-d57550cc96cc" xsi:nil="true"/>
+    <HandoffToMSDN xmlns="4873beb7-5857-4685-be1f-d57550cc96cc" xsi:nil="true"/>
+    <ShowIn xmlns="4873beb7-5857-4685-be1f-d57550cc96cc">Show everywhere</ShowIn>
+    <ThumbnailAssetId xmlns="4873beb7-5857-4685-be1f-d57550cc96cc" xsi:nil="true"/>
+    <UALocComments xmlns="4873beb7-5857-4685-be1f-d57550cc96cc" xsi:nil="true"/>
+    <UALocRecommendation xmlns="4873beb7-5857-4685-be1f-d57550cc96cc">Localize</UALocRecommendation>
+    <LastModifiedDateTime xmlns="4873beb7-5857-4685-be1f-d57550cc96cc" xsi:nil="true"/>
+    <LegacyData xmlns="4873beb7-5857-4685-be1f-d57550cc96cc" xsi:nil="true"/>
+    <LocManualTestRequired xmlns="4873beb7-5857-4685-be1f-d57550cc96cc">false</LocManualTestRequired>
+    <LocMarketGroupTiers2 xmlns="4873beb7-5857-4685-be1f-d57550cc96cc" xsi:nil="true"/>
+    <ClipArtFilename xmlns="4873beb7-5857-4685-be1f-d57550cc96cc" xsi:nil="true"/>
+    <TPApplication xmlns="4873beb7-5857-4685-be1f-d57550cc96cc" xsi:nil="true"/>
+    <CSXHash xmlns="4873beb7-5857-4685-be1f-d57550cc96cc" xsi:nil="true"/>
+    <DirectSourceMarket xmlns="4873beb7-5857-4685-be1f-d57550cc96cc" xsi:nil="true"/>
+    <PrimaryImageGen xmlns="4873beb7-5857-4685-be1f-d57550cc96cc">true</PrimaryImageGen>
+    <PlannedPubDate xmlns="4873beb7-5857-4685-be1f-d57550cc96cc" xsi:nil="true"/>
+    <CSXSubmissionMarket xmlns="4873beb7-5857-4685-be1f-d57550cc96cc" xsi:nil="true"/>
+    <Downloads xmlns="4873beb7-5857-4685-be1f-d57550cc96cc">0</Downloads>
+    <ArtSampleDocs xmlns="4873beb7-5857-4685-be1f-d57550cc96cc" xsi:nil="true"/>
+    <TrustLevel xmlns="4873beb7-5857-4685-be1f-d57550cc96cc">1 Microsoft Managed Content</TrustLevel>
+    <BlockPublish xmlns="4873beb7-5857-4685-be1f-d57550cc96cc">false</BlockPublish>
+    <TPLaunchHelpLinkType xmlns="4873beb7-5857-4685-be1f-d57550cc96cc">Template</TPLaunchHelpLinkType>
+    <LocalizationTagsTaxHTField0 xmlns="4873beb7-5857-4685-be1f-d57550cc96cc">
+      <Terms xmlns="http://schemas.microsoft.com/office/infopath/2007/PartnerControls"/>
+    </LocalizationTagsTaxHTField0>
+    <BusinessGroup xmlns="4873beb7-5857-4685-be1f-d57550cc96cc" xsi:nil="true"/>
+    <Providers xmlns="4873beb7-5857-4685-be1f-d57550cc96cc" xsi:nil="true"/>
+    <TemplateTemplateType xmlns="4873beb7-5857-4685-be1f-d57550cc96cc">PowerPoint Presentation Template</TemplateTemplateType>
+    <TimesCloned xmlns="4873beb7-5857-4685-be1f-d57550cc96cc" xsi:nil="true"/>
+    <TPAppVersion xmlns="4873beb7-5857-4685-be1f-d57550cc96cc" xsi:nil="true"/>
+    <VoteCount xmlns="4873beb7-5857-4685-be1f-d57550cc96cc" xsi:nil="true"/>
+    <AverageRating xmlns="4873beb7-5857-4685-be1f-d57550cc96cc" xsi:nil="true"/>
+    <FeatureTagsTaxHTField0 xmlns="4873beb7-5857-4685-be1f-d57550cc96cc">
+      <Terms xmlns="http://schemas.microsoft.com/office/infopath/2007/PartnerControls"/>
+    </FeatureTagsTaxHTField0>
+    <Provider xmlns="4873beb7-5857-4685-be1f-d57550cc96cc" xsi:nil="true"/>
+    <UACurrentWords xmlns="4873beb7-5857-4685-be1f-d57550cc96cc" xsi:nil="true"/>
+    <AssetId xmlns="4873beb7-5857-4685-be1f-d57550cc96cc">TP103460417</AssetId>
+    <TPClientViewer xmlns="4873beb7-5857-4685-be1f-d57550cc96cc" xsi:nil="true"/>
+    <DSATActionTaken xmlns="4873beb7-5857-4685-be1f-d57550cc96cc" xsi:nil="true"/>
+    <APEditor xmlns="4873beb7-5857-4685-be1f-d57550cc96cc">
+      <UserInfo>
+        <DisplayName/>
+        <AccountId xsi:nil="true"/>
+        <AccountType/>
+      </UserInfo>
+    </APEditor>
+    <TPInstallLocation xmlns="4873beb7-5857-4685-be1f-d57550cc96cc" xsi:nil="true"/>
+    <OOCacheId xmlns="4873beb7-5857-4685-be1f-d57550cc96cc" xsi:nil="true"/>
+    <IsDeleted xmlns="4873beb7-5857-4685-be1f-d57550cc96cc">false</IsDeleted>
+    <PublishTargets xmlns="4873beb7-5857-4685-be1f-d57550cc96cc">OfficeOnlineVNext</PublishTargets>
+    <ApprovalLog xmlns="4873beb7-5857-4685-be1f-d57550cc96cc" xsi:nil="true"/>
+    <BugNumber xmlns="4873beb7-5857-4685-be1f-d57550cc96cc" xsi:nil="true"/>
+    <CrawlForDependencies xmlns="4873beb7-5857-4685-be1f-d57550cc96cc">false</CrawlForDependencies>
+    <InternalTagsTaxHTField0 xmlns="4873beb7-5857-4685-be1f-d57550cc96cc">
+      <Terms xmlns="http://schemas.microsoft.com/office/infopath/2007/PartnerControls"/>
+    </InternalTagsTaxHTField0>
+    <LastHandOff xmlns="4873beb7-5857-4685-be1f-d57550cc96cc" xsi:nil="true"/>
+    <Milestone xmlns="4873beb7-5857-4685-be1f-d57550cc96cc" xsi:nil="true"/>
+    <OriginalRelease xmlns="4873beb7-5857-4685-be1f-d57550cc96cc">15</OriginalRelease>
+    <RecommendationsModifier xmlns="4873beb7-5857-4685-be1f-d57550cc96cc" xsi:nil="true"/>
+    <ScenarioTagsTaxHTField0 xmlns="4873beb7-5857-4685-be1f-d57550cc96cc">
+      <Terms xmlns="http://schemas.microsoft.com/office/infopath/2007/PartnerControls"/>
+    </ScenarioTagsTaxHTField0>
+    <UANotes xmlns="4873beb7-5857-4685-be1f-d57550cc96cc" xsi:nil="true"/>
+  </documentManagement>
+</p:properties>
+</file>
+
+<file path=customXml/item3.xml><?xml version="1.0" encoding="utf-8"?>
+<?mso-contentType ?>
+<FormTemplates xmlns="http://schemas.microsoft.com/sharepoint/v3/contenttype/forms">
+  <Display>DocumentLibraryForm</Display>
+  <Edit>AssetEditForm</Edit>
+  <New>DocumentLibraryForm</New>
+</FormTemplates>
+</file>
+
 <file path=customXml/itemProps1.xml><?xml version="1.0" encoding="utf-8"?>
-<ds:datastoreItem xmlns:ds="http://schemas.openxmlformats.org/officeDocument/2006/customXml" ds:itemID="{100AC149-8447-4BE5-88C7-DBE24EA73E83}">
+<ds:datastoreItem xmlns:ds="http://schemas.openxmlformats.org/officeDocument/2006/customXml" ds:itemID="{79EEAAAD-F811-4325-83A2-D14EDE05FBFF}">
   <ds:schemaRefs>
-    <ds:schemaRef ds:uri="http://schemas.microsoft.com/sharepoint/v3/contenttype/forms"/>
+    <ds:schemaRef ds:uri="http://schemas.microsoft.com/office/2006/metadata/contentType"/>
+    <ds:schemaRef ds:uri="http://schemas.microsoft.com/office/2006/metadata/properties/metaAttributes"/>
+    <ds:schemaRef ds:uri="http://www.w3.org/2001/XMLSchema"/>
+    <ds:schemaRef ds:uri="http://schemas.microsoft.com/office/2006/metadata/properties"/>
+    <ds:schemaRef ds:uri="4873beb7-5857-4685-be1f-d57550cc96cc"/>
+    <ds:schemaRef ds:uri="http://schemas.microsoft.com/office/2006/documentManagement/types"/>
+    <ds:schemaRef ds:uri="http://schemas.microsoft.com/office/infopath/2007/PartnerControls"/>
+    <ds:schemaRef ds:uri="http://schemas.openxmlformats.org/package/2006/metadata/core-properties"/>
+    <ds:schemaRef ds:uri="http://purl.org/dc/elements/1.1/"/>
+    <ds:schemaRef ds:uri="http://purl.org/dc/terms/"/>
+    <ds:schemaRef ds:uri="http://schemas.microsoft.com/internal/obd"/>
   </ds:schemaRefs>
 </ds:datastoreItem>
 </file>
@@ -11568,19 +11578,9 @@
 </file>
 
 <file path=customXml/itemProps3.xml><?xml version="1.0" encoding="utf-8"?>
-<ds:datastoreItem xmlns:ds="http://schemas.openxmlformats.org/officeDocument/2006/customXml" ds:itemID="{79EEAAAD-F811-4325-83A2-D14EDE05FBFF}">
+<ds:datastoreItem xmlns:ds="http://schemas.openxmlformats.org/officeDocument/2006/customXml" ds:itemID="{100AC149-8447-4BE5-88C7-DBE24EA73E83}">
   <ds:schemaRefs>
-    <ds:schemaRef ds:uri="http://schemas.microsoft.com/office/2006/metadata/contentType"/>
-    <ds:schemaRef ds:uri="http://schemas.microsoft.com/office/2006/metadata/properties/metaAttributes"/>
-    <ds:schemaRef ds:uri="http://www.w3.org/2001/XMLSchema"/>
-    <ds:schemaRef ds:uri="http://schemas.microsoft.com/office/2006/metadata/properties"/>
-    <ds:schemaRef ds:uri="4873beb7-5857-4685-be1f-d57550cc96cc"/>
-    <ds:schemaRef ds:uri="http://schemas.microsoft.com/office/2006/documentManagement/types"/>
-    <ds:schemaRef ds:uri="http://schemas.microsoft.com/office/infopath/2007/PartnerControls"/>
-    <ds:schemaRef ds:uri="http://schemas.openxmlformats.org/package/2006/metadata/core-properties"/>
-    <ds:schemaRef ds:uri="http://purl.org/dc/elements/1.1/"/>
-    <ds:schemaRef ds:uri="http://purl.org/dc/terms/"/>
-    <ds:schemaRef ds:uri="http://schemas.microsoft.com/internal/obd"/>
+    <ds:schemaRef ds:uri="http://schemas.microsoft.com/sharepoint/v3/contenttype/forms"/>
   </ds:schemaRefs>
 </ds:datastoreItem>
 </file>
--- a/Politik/Pflegeversicherung.pptx
+++ b/Politik/Pflegeversicherung.pptx
@@ -215,7 +215,7 @@
             <a:pPr rtl="0"/>
             <a:fld id="{FB9D24E4-83F8-4F89-B5D3-BE6F182EAFEC}" type="datetime1">
               <a:rPr lang="de-DE" smtClean="0"/>
-              <a:t>28.09.2022</a:t>
+              <a:t>29.09.2022</a:t>
             </a:fld>
             <a:endParaRPr lang="de-DE"/>
           </a:p>
@@ -385,7 +385,7 @@
             <a:fld id="{70BB5FB9-140B-4107-845E-36B3E7186F65}" type="datetime1">
               <a:rPr lang="de-DE" smtClean="0"/>
               <a:pPr/>
-              <a:t>28.09.2022</a:t>
+              <a:t>29.09.2022</a:t>
             </a:fld>
             <a:endParaRPr lang="de-DE" dirty="0"/>
           </a:p>
@@ -863,7 +863,7 @@
             <a:pPr rtl="0"/>
             <a:fld id="{2E537224-DDE7-458E-95FF-CB4FBBF9363D}" type="datetime1">
               <a:rPr lang="de-DE" noProof="0" smtClean="0"/>
-              <a:t>28.09.2022</a:t>
+              <a:t>29.09.2022</a:t>
             </a:fld>
             <a:endParaRPr lang="de-DE" noProof="0"/>
           </a:p>
@@ -1092,7 +1092,7 @@
             <a:pPr rtl="0"/>
             <a:fld id="{28F6ED83-4E9F-40FC-90E9-63E147B310D8}" type="datetime1">
               <a:rPr lang="de-DE" noProof="0" smtClean="0"/>
-              <a:t>28.09.2022</a:t>
+              <a:t>29.09.2022</a:t>
             </a:fld>
             <a:endParaRPr lang="de-DE" noProof="0"/>
           </a:p>
@@ -1278,7 +1278,7 @@
             <a:pPr rtl="0"/>
             <a:fld id="{4E64D773-6961-4007-B04E-B92F7A5079CE}" type="datetime1">
               <a:rPr lang="de-DE" noProof="0" smtClean="0"/>
-              <a:t>28.09.2022</a:t>
+              <a:t>29.09.2022</a:t>
             </a:fld>
             <a:endParaRPr lang="de-DE" noProof="0"/>
           </a:p>
@@ -1473,7 +1473,7 @@
             <a:pPr rtl="0"/>
             <a:fld id="{6CF67757-8F0A-43A2-95DB-5A0F17F3DED9}" type="datetime1">
               <a:rPr lang="de-DE" noProof="0" smtClean="0"/>
-              <a:t>28.09.2022</a:t>
+              <a:t>29.09.2022</a:t>
             </a:fld>
             <a:endParaRPr lang="de-DE" noProof="0"/>
           </a:p>
@@ -1658,7 +1658,7 @@
             <a:pPr rtl="0"/>
             <a:fld id="{3C481AB7-7EAA-4FA3-95EB-651E0DAD4A3B}" type="datetime1">
               <a:rPr lang="de-DE" noProof="0" smtClean="0"/>
-              <a:t>28.09.2022</a:t>
+              <a:t>29.09.2022</a:t>
             </a:fld>
             <a:endParaRPr lang="de-DE" noProof="0"/>
           </a:p>
@@ -1912,7 +1912,7 @@
             <a:pPr rtl="0"/>
             <a:fld id="{C8B3E976-4C2F-4A85-8649-8D978DAA45C9}" type="datetime1">
               <a:rPr lang="de-DE" noProof="0" smtClean="0"/>
-              <a:t>28.09.2022</a:t>
+              <a:t>29.09.2022</a:t>
             </a:fld>
             <a:endParaRPr lang="de-DE" noProof="0"/>
           </a:p>
@@ -2191,7 +2191,7 @@
             <a:pPr rtl="0"/>
             <a:fld id="{25EACD39-1C27-4D8D-B0FE-DBCD5C998906}" type="datetime1">
               <a:rPr lang="de-DE" noProof="0" smtClean="0"/>
-              <a:t>28.09.2022</a:t>
+              <a:t>29.09.2022</a:t>
             </a:fld>
             <a:endParaRPr lang="de-DE" noProof="0"/>
           </a:p>
@@ -2585,7 +2585,7 @@
             <a:pPr rtl="0"/>
             <a:fld id="{2BFE7DE4-9256-4B10-B7AA-D91EB99033AC}" type="datetime1">
               <a:rPr lang="de-DE" noProof="0" smtClean="0"/>
-              <a:t>28.09.2022</a:t>
+              <a:t>29.09.2022</a:t>
             </a:fld>
             <a:endParaRPr lang="de-DE" noProof="0"/>
           </a:p>
@@ -2718,7 +2718,7 @@
             <a:pPr rtl="0"/>
             <a:fld id="{DCCFA2D8-FF23-4235-B91B-C28F6B3F434F}" type="datetime1">
               <a:rPr lang="de-DE" noProof="0" smtClean="0"/>
-              <a:t>28.09.2022</a:t>
+              <a:t>29.09.2022</a:t>
             </a:fld>
             <a:endParaRPr lang="de-DE" noProof="0"/>
           </a:p>
@@ -2828,7 +2828,7 @@
             <a:pPr rtl="0"/>
             <a:fld id="{EDCED333-6E9D-4F14-9FC9-C56FC4B735E8}" type="datetime1">
               <a:rPr lang="de-DE" noProof="0" smtClean="0"/>
-              <a:t>28.09.2022</a:t>
+              <a:t>29.09.2022</a:t>
             </a:fld>
             <a:endParaRPr lang="de-DE" noProof="0"/>
           </a:p>
@@ -3111,7 +3111,7 @@
             <a:pPr rtl="0"/>
             <a:fld id="{4FDEFBB5-E5B8-4345-95E1-FE9606D38103}" type="datetime1">
               <a:rPr lang="de-DE" noProof="0" smtClean="0"/>
-              <a:t>28.09.2022</a:t>
+              <a:t>29.09.2022</a:t>
             </a:fld>
             <a:endParaRPr lang="de-DE" noProof="0"/>
           </a:p>
@@ -3422,7 +3422,7 @@
             <a:pPr rtl="0"/>
             <a:fld id="{20B49F97-F096-4ACA-A377-A47BC9AF2EEF}" type="datetime1">
               <a:rPr lang="de-DE" noProof="0" smtClean="0"/>
-              <a:t>28.09.2022</a:t>
+              <a:t>29.09.2022</a:t>
             </a:fld>
             <a:endParaRPr lang="de-DE" noProof="0" dirty="0"/>
           </a:p>
@@ -8509,7 +8509,7 @@
                   <a:schemeClr val="bg1"/>
                 </a:solidFill>
               </a:rPr>
-              <a:t>Geschichte</a:t>
+              <a:t>Allgemeine Informationen</a:t>
             </a:r>
           </a:p>
           <a:p>
@@ -8894,7 +8894,11 @@
           <a:lstStyle/>
           <a:p>
             <a:r>
-              <a:rPr lang="de-DE" dirty="0"/>
+              <a:rPr lang="de-DE" dirty="0">
+                <a:solidFill>
+                  <a:schemeClr val="bg1"/>
+                </a:solidFill>
+              </a:rPr>
               <a:t>Jeder Krankenversicherte ist Kostenträger</a:t>
             </a:r>
           </a:p>
@@ -8902,20 +8906,36 @@
             <a:pPr marL="137160" indent="0">
               <a:buNone/>
             </a:pPr>
-            <a:endParaRPr lang="de-DE" dirty="0"/>
+            <a:endParaRPr lang="de-DE" dirty="0">
+              <a:solidFill>
+                <a:schemeClr val="bg1"/>
+              </a:solidFill>
+            </a:endParaRPr>
           </a:p>
           <a:p>
             <a:r>
-              <a:rPr lang="de-DE" dirty="0"/>
+              <a:rPr lang="de-DE" dirty="0">
+                <a:solidFill>
+                  <a:schemeClr val="bg1"/>
+                </a:solidFill>
+              </a:rPr>
               <a:t>Mit Kinder 3,05% des Bruttoeinkommens</a:t>
             </a:r>
           </a:p>
           <a:p>
-            <a:endParaRPr lang="de-DE" dirty="0"/>
+            <a:endParaRPr lang="de-DE" dirty="0">
+              <a:solidFill>
+                <a:schemeClr val="bg1"/>
+              </a:solidFill>
+            </a:endParaRPr>
           </a:p>
           <a:p>
             <a:r>
-              <a:rPr lang="de-DE" dirty="0"/>
+              <a:rPr lang="de-DE" dirty="0">
+                <a:solidFill>
+                  <a:schemeClr val="bg1"/>
+                </a:solidFill>
+              </a:rPr>
               <a:t>Ohne Kinder 3,4% des Bruttoeinkommens</a:t>
             </a:r>
           </a:p>
@@ -11415,6 +11435,15 @@
 </file>
 
 <file path=customXml/item2.xml><?xml version="1.0" encoding="utf-8"?>
+<?mso-contentType ?>
+<FormTemplates xmlns="http://schemas.microsoft.com/sharepoint/v3/contenttype/forms">
+  <Display>DocumentLibraryForm</Display>
+  <Edit>AssetEditForm</Edit>
+  <New>DocumentLibraryForm</New>
+</FormTemplates>
+</file>
+
+<file path=customXml/item3.xml><?xml version="1.0" encoding="utf-8"?>
 <p:properties xmlns:p="http://schemas.microsoft.com/office/2006/metadata/properties" xmlns:xsi="http://www.w3.org/2001/XMLSchema-instance" xmlns:pc="http://schemas.microsoft.com/office/infopath/2007/PartnerControls">
   <documentManagement>
     <APDescription xmlns="4873beb7-5857-4685-be1f-d57550cc96cc" xsi:nil="true"/>
@@ -11540,15 +11569,6 @@
 </p:properties>
 </file>
 
-<file path=customXml/item3.xml><?xml version="1.0" encoding="utf-8"?>
-<?mso-contentType ?>
-<FormTemplates xmlns="http://schemas.microsoft.com/sharepoint/v3/contenttype/forms">
-  <Display>DocumentLibraryForm</Display>
-  <Edit>AssetEditForm</Edit>
-  <New>DocumentLibraryForm</New>
-</FormTemplates>
-</file>
-
 <file path=customXml/itemProps1.xml><?xml version="1.0" encoding="utf-8"?>
 <ds:datastoreItem xmlns:ds="http://schemas.openxmlformats.org/officeDocument/2006/customXml" ds:itemID="{79EEAAAD-F811-4325-83A2-D14EDE05FBFF}">
   <ds:schemaRefs>
@@ -11568,6 +11588,14 @@
 </file>
 
 <file path=customXml/itemProps2.xml><?xml version="1.0" encoding="utf-8"?>
+<ds:datastoreItem xmlns:ds="http://schemas.openxmlformats.org/officeDocument/2006/customXml" ds:itemID="{100AC149-8447-4BE5-88C7-DBE24EA73E83}">
+  <ds:schemaRefs>
+    <ds:schemaRef ds:uri="http://schemas.microsoft.com/sharepoint/v3/contenttype/forms"/>
+  </ds:schemaRefs>
+</ds:datastoreItem>
+</file>
+
+<file path=customXml/itemProps3.xml><?xml version="1.0" encoding="utf-8"?>
 <ds:datastoreItem xmlns:ds="http://schemas.openxmlformats.org/officeDocument/2006/customXml" ds:itemID="{D0D1C9B0-FE26-433B-8E1A-54CCDFA4EB1D}">
   <ds:schemaRefs>
     <ds:schemaRef ds:uri="http://schemas.microsoft.com/office/2006/metadata/properties"/>
@@ -11575,12 +11603,4 @@
     <ds:schemaRef ds:uri="4873beb7-5857-4685-be1f-d57550cc96cc"/>
   </ds:schemaRefs>
 </ds:datastoreItem>
-</file>
-
-<file path=customXml/itemProps3.xml><?xml version="1.0" encoding="utf-8"?>
-<ds:datastoreItem xmlns:ds="http://schemas.openxmlformats.org/officeDocument/2006/customXml" ds:itemID="{100AC149-8447-4BE5-88C7-DBE24EA73E83}">
-  <ds:schemaRefs>
-    <ds:schemaRef ds:uri="http://schemas.microsoft.com/sharepoint/v3/contenttype/forms"/>
-  </ds:schemaRefs>
-</ds:datastoreItem>
 </file>